--- a/TNSDC-GENAI PPT.pptx
+++ b/TNSDC-GENAI PPT.pptx
@@ -188,7 +188,7 @@
           <a:p>
             <a:fld id="{1D8BD707-D9CF-40AE-B4C6-C98DA3205C09}" type="datetimeFigureOut">
               <a:rPr lang="en-US"/>
-              <a:t>4/4/2024</a:t>
+              <a:t>5/8/2024</a:t>
             </a:fld>
             <a:endParaRPr lang="en-US"/>
           </a:p>
@@ -368,7 +368,7 @@
           <a:p>
             <a:fld id="{1D8BD707-D9CF-40AE-B4C6-C98DA3205C09}" type="datetimeFigureOut">
               <a:rPr lang="en-US"/>
-              <a:t>4/4/2024</a:t>
+              <a:t>5/8/2024</a:t>
             </a:fld>
             <a:endParaRPr lang="en-US"/>
           </a:p>
@@ -591,7 +591,7 @@
           <a:p>
             <a:fld id="{1D8BD707-D9CF-40AE-B4C6-C98DA3205C09}" type="datetimeFigureOut">
               <a:rPr lang="en-US"/>
-              <a:t>4/4/2024</a:t>
+              <a:t>5/8/2024</a:t>
             </a:fld>
             <a:endParaRPr lang="en-US"/>
           </a:p>
@@ -748,7 +748,7 @@
           <a:p>
             <a:fld id="{1D8BD707-D9CF-40AE-B4C6-C98DA3205C09}" type="datetimeFigureOut">
               <a:rPr lang="en-US"/>
-              <a:t>4/4/2024</a:t>
+              <a:t>5/8/2024</a:t>
             </a:fld>
             <a:endParaRPr lang="en-US"/>
           </a:p>
@@ -876,7 +876,7 @@
           <a:p>
             <a:fld id="{1D8BD707-D9CF-40AE-B4C6-C98DA3205C09}" type="datetimeFigureOut">
               <a:rPr lang="en-US"/>
-              <a:t>4/4/2024</a:t>
+              <a:t>5/8/2024</a:t>
             </a:fld>
             <a:endParaRPr lang="en-US"/>
           </a:p>
@@ -1595,7 +1595,7 @@
           <a:p>
             <a:fld id="{1D8BD707-D9CF-40AE-B4C6-C98DA3205C09}" type="datetimeFigureOut">
               <a:rPr lang="en-US"/>
-              <a:t>4/4/2024</a:t>
+              <a:t>5/8/2024</a:t>
             </a:fld>
             <a:endParaRPr lang="en-US"/>
           </a:p>
@@ -1831,7 +1831,7 @@
         </p:nvGrpSpPr>
         <p:grpSpPr>
           <a:xfrm>
-            <a:off x="742950" y="1104900"/>
+            <a:off x="4762" y="275839"/>
             <a:ext cx="1743075" cy="1333500"/>
             <a:chOff x="742950" y="1104900"/>
             <a:chExt cx="1743075" cy="1333500"/>
@@ -1958,7 +1958,7 @@
         </p:nvSpPr>
         <p:spPr>
           <a:xfrm>
-            <a:off x="3752850" y="1190625"/>
+            <a:off x="7620000" y="275839"/>
             <a:ext cx="1666875" cy="1438275"/>
           </a:xfrm>
           <a:custGeom>
@@ -2014,7 +2014,7 @@
         </p:nvSpPr>
         <p:spPr>
           <a:xfrm>
-            <a:off x="3800475" y="5229225"/>
+            <a:off x="871537" y="5410200"/>
             <a:ext cx="723900" cy="619125"/>
           </a:xfrm>
           <a:custGeom>
@@ -2062,6 +2062,88 @@
           </a:p>
         </p:txBody>
       </p:sp>
+      <p:sp>
+        <p:nvSpPr>
+          <p:cNvPr id="7" name="object 7"/>
+          <p:cNvSpPr txBox="1"/>
+          <p:nvPr/>
+        </p:nvSpPr>
+        <p:spPr>
+          <a:xfrm>
+            <a:off x="2982595" y="3429000"/>
+            <a:ext cx="7162800" cy="1334981"/>
+          </a:xfrm>
+          <a:prstGeom prst="rect">
+            <a:avLst/>
+          </a:prstGeom>
+        </p:spPr>
+        <p:txBody>
+          <a:bodyPr vert="horz" wrap="square" lIns="0" tIns="16510" rIns="0" bIns="0" rtlCol="0">
+            <a:spAutoFit/>
+          </a:bodyPr>
+          <a:lstStyle/>
+          <a:p>
+            <a:pPr marL="12700">
+              <a:spcBef>
+                <a:spcPts val="130"/>
+              </a:spcBef>
+            </a:pPr>
+            <a:r>
+              <a:rPr lang="en-US" sz="2800" dirty="0">
+                <a:latin typeface="Times New Roman" panose="02020603050405020304" pitchFamily="18" charset="0"/>
+                <a:cs typeface="Times New Roman" panose="02020603050405020304" pitchFamily="18" charset="0"/>
+              </a:rPr>
+              <a:t>P</a:t>
+            </a:r>
+            <a:r>
+              <a:rPr lang="en-IN" sz="2800" dirty="0">
+                <a:latin typeface="Times New Roman" panose="02020603050405020304" pitchFamily="18" charset="0"/>
+                <a:cs typeface="Times New Roman" panose="02020603050405020304" pitchFamily="18" charset="0"/>
+              </a:rPr>
+              <a:t>RAVEENA R</a:t>
+            </a:r>
+          </a:p>
+          <a:p>
+            <a:pPr marL="12700">
+              <a:spcBef>
+                <a:spcPts val="130"/>
+              </a:spcBef>
+            </a:pPr>
+            <a:r>
+              <a:rPr lang="en-IN" sz="2800" dirty="0">
+                <a:latin typeface="Times New Roman" panose="02020603050405020304" pitchFamily="18" charset="0"/>
+                <a:cs typeface="Times New Roman" panose="02020603050405020304" pitchFamily="18" charset="0"/>
+              </a:rPr>
+              <a:t>au21AIB66</a:t>
+            </a:r>
+          </a:p>
+          <a:p>
+            <a:pPr marL="12700">
+              <a:spcBef>
+                <a:spcPts val="130"/>
+              </a:spcBef>
+            </a:pPr>
+            <a:r>
+              <a:rPr lang="en-IN" sz="2800" dirty="0" err="1">
+                <a:latin typeface="Times New Roman" panose="02020603050405020304" pitchFamily="18" charset="0"/>
+                <a:cs typeface="Times New Roman" panose="02020603050405020304" pitchFamily="18" charset="0"/>
+              </a:rPr>
+              <a:t>KGiSL</a:t>
+            </a:r>
+            <a:r>
+              <a:rPr lang="en-IN" sz="2800" dirty="0">
+                <a:latin typeface="Times New Roman" panose="02020603050405020304" pitchFamily="18" charset="0"/>
+                <a:cs typeface="Times New Roman" panose="02020603050405020304" pitchFamily="18" charset="0"/>
+              </a:rPr>
+              <a:t> INSTITUTE OF TECHNOLOGY</a:t>
+            </a:r>
+            <a:endParaRPr sz="2800" dirty="0">
+              <a:latin typeface="Times New Roman" panose="02020603050405020304" pitchFamily="18" charset="0"/>
+              <a:cs typeface="Times New Roman" panose="02020603050405020304" pitchFamily="18" charset="0"/>
+            </a:endParaRPr>
+          </a:p>
+        </p:txBody>
+      </p:sp>
       <p:pic>
         <p:nvPicPr>
           <p:cNvPr id="9" name="object 9"/>
@@ -2167,6 +2249,46 @@
               <a:latin typeface="Trebuchet MS"/>
               <a:cs typeface="Trebuchet MS"/>
             </a:endParaRPr>
+          </a:p>
+        </p:txBody>
+      </p:sp>
+      <p:sp>
+        <p:nvSpPr>
+          <p:cNvPr id="12" name="Title 11">
+            <a:extLst>
+              <a:ext uri="{FF2B5EF4-FFF2-40B4-BE49-F238E27FC236}">
+                <a16:creationId xmlns:a16="http://schemas.microsoft.com/office/drawing/2014/main" id="{7EF74DE0-80F9-17BF-77D3-7DC4DBF08F55}"/>
+              </a:ext>
+            </a:extLst>
+          </p:cNvPr>
+          <p:cNvSpPr>
+            <a:spLocks noGrp="1"/>
+          </p:cNvSpPr>
+          <p:nvPr>
+            <p:ph type="title"/>
+          </p:nvPr>
+        </p:nvSpPr>
+        <p:spPr>
+          <a:xfrm>
+            <a:off x="381000" y="1743477"/>
+            <a:ext cx="9764395" cy="1107996"/>
+          </a:xfrm>
+        </p:spPr>
+        <p:txBody>
+          <a:bodyPr/>
+          <a:lstStyle/>
+          <a:p>
+            <a:r>
+              <a:rPr lang="en-US" sz="3600" dirty="0">
+                <a:solidFill>
+                  <a:srgbClr val="00B050"/>
+                </a:solidFill>
+                <a:latin typeface="Times New Roman" panose="02020603050405020304" pitchFamily="18" charset="0"/>
+                <a:cs typeface="Times New Roman" panose="02020603050405020304" pitchFamily="18" charset="0"/>
+              </a:rPr>
+              <a:t>FAKE NEWS DETECTION USING AUTOENCODERS</a:t>
+            </a:r>
+            <a:endParaRPr lang="en-IN" sz="3600" dirty="0"/>
           </a:p>
         </p:txBody>
       </p:sp>
@@ -2204,119 +2326,6 @@
               <a:t>1</a:t>
             </a:fld>
             <a:endParaRPr spc="-50" dirty="0"/>
-          </a:p>
-        </p:txBody>
-      </p:sp>
-      <p:sp>
-        <p:nvSpPr>
-          <p:cNvPr id="12" name="TextBox 11"/>
-          <p:cNvSpPr txBox="1"/>
-          <p:nvPr/>
-        </p:nvSpPr>
-        <p:spPr>
-          <a:xfrm>
-            <a:off x="665388" y="2905125"/>
-            <a:ext cx="8487501" cy="584775"/>
-          </a:xfrm>
-          <a:prstGeom prst="rect">
-            <a:avLst/>
-          </a:prstGeom>
-          <a:noFill/>
-        </p:spPr>
-        <p:txBody>
-          <a:bodyPr wrap="square" rtlCol="0">
-            <a:spAutoFit/>
-          </a:bodyPr>
-          <a:lstStyle/>
-          <a:p>
-            <a:r>
-              <a:rPr lang="en-IN" sz="3200" i="0" dirty="0" smtClean="0">
-                <a:solidFill>
-                  <a:srgbClr val="00B050"/>
-                </a:solidFill>
-                <a:effectLst/>
-                <a:latin typeface="Times New Roman" panose="02020603050405020304" pitchFamily="18" charset="0"/>
-                <a:cs typeface="Times New Roman" panose="02020603050405020304" pitchFamily="18" charset="0"/>
-              </a:rPr>
-              <a:t>Time-Series Forecasting with Auto encoders</a:t>
-            </a:r>
-            <a:endParaRPr lang="en-IN" sz="3200" dirty="0"/>
-          </a:p>
-        </p:txBody>
-      </p:sp>
-      <p:sp>
-        <p:nvSpPr>
-          <p:cNvPr id="13" name="TextBox 12"/>
-          <p:cNvSpPr txBox="1"/>
-          <p:nvPr/>
-        </p:nvSpPr>
-        <p:spPr>
-          <a:xfrm>
-            <a:off x="6553200" y="4305895"/>
-            <a:ext cx="4495418" cy="923330"/>
-          </a:xfrm>
-          <a:prstGeom prst="rect">
-            <a:avLst/>
-          </a:prstGeom>
-          <a:noFill/>
-        </p:spPr>
-        <p:txBody>
-          <a:bodyPr wrap="square" rtlCol="0">
-            <a:spAutoFit/>
-          </a:bodyPr>
-          <a:lstStyle/>
-          <a:p>
-            <a:r>
-              <a:rPr lang="en-US" dirty="0" smtClean="0"/>
-              <a:t>PRAVEENA R</a:t>
-            </a:r>
-          </a:p>
-          <a:p>
-            <a:r>
-              <a:rPr lang="en-US" dirty="0" smtClean="0"/>
-              <a:t>NM ID: au21AIB66</a:t>
-            </a:r>
-          </a:p>
-          <a:p>
-            <a:r>
-              <a:rPr lang="en-US" dirty="0" err="1" smtClean="0"/>
-              <a:t>KGiSL</a:t>
-            </a:r>
-            <a:r>
-              <a:rPr lang="en-US" dirty="0" smtClean="0"/>
-              <a:t> INSTITUTE OF TECHNOLOGY</a:t>
-            </a:r>
-            <a:endParaRPr lang="en-IN" dirty="0"/>
-          </a:p>
-        </p:txBody>
-      </p:sp>
-      <p:sp>
-        <p:nvSpPr>
-          <p:cNvPr id="14" name="TextBox 13"/>
-          <p:cNvSpPr txBox="1"/>
-          <p:nvPr/>
-        </p:nvSpPr>
-        <p:spPr>
-          <a:xfrm>
-            <a:off x="5791200" y="3838221"/>
-            <a:ext cx="2209800" cy="369332"/>
-          </a:xfrm>
-          <a:prstGeom prst="rect">
-            <a:avLst/>
-          </a:prstGeom>
-          <a:noFill/>
-        </p:spPr>
-        <p:txBody>
-          <a:bodyPr wrap="square" rtlCol="0">
-            <a:spAutoFit/>
-          </a:bodyPr>
-          <a:lstStyle/>
-          <a:p>
-            <a:r>
-              <a:rPr lang="en-US" dirty="0" smtClean="0"/>
-              <a:t>SUBMITTED BY</a:t>
-            </a:r>
-            <a:endParaRPr lang="en-IN" dirty="0"/>
           </a:p>
         </p:txBody>
       </p:sp>
@@ -2347,10 +2356,151 @@
       </p:grpSpPr>
       <p:sp>
         <p:nvSpPr>
-          <p:cNvPr id="3" name="Text Placeholder 2">
+          <p:cNvPr id="2" name="object 2"/>
+          <p:cNvSpPr txBox="1"/>
+          <p:nvPr/>
+        </p:nvSpPr>
+        <p:spPr>
+          <a:xfrm>
+            <a:off x="752475" y="6486037"/>
+            <a:ext cx="1773555" cy="166370"/>
+          </a:xfrm>
+          <a:prstGeom prst="rect">
+            <a:avLst/>
+          </a:prstGeom>
+        </p:spPr>
+        <p:txBody>
+          <a:bodyPr vert="horz" wrap="square" lIns="0" tIns="0" rIns="0" bIns="0" rtlCol="0">
+            <a:spAutoFit/>
+          </a:bodyPr>
+          <a:lstStyle/>
+          <a:p>
+            <a:pPr>
+              <a:lnSpc>
+                <a:spcPts val="1275"/>
+              </a:lnSpc>
+            </a:pPr>
+            <a:r>
+              <a:rPr sz="1100" dirty="0">
+                <a:solidFill>
+                  <a:srgbClr val="2D83C3"/>
+                </a:solidFill>
+                <a:latin typeface="Trebuchet MS"/>
+                <a:cs typeface="Trebuchet MS"/>
+              </a:rPr>
+              <a:t>3/21/2024</a:t>
+            </a:r>
+            <a:r>
+              <a:rPr sz="1100" spc="180" dirty="0">
+                <a:solidFill>
+                  <a:srgbClr val="2D83C3"/>
+                </a:solidFill>
+                <a:latin typeface="Trebuchet MS"/>
+                <a:cs typeface="Trebuchet MS"/>
+              </a:rPr>
+              <a:t>  </a:t>
+            </a:r>
+            <a:r>
+              <a:rPr sz="1100" b="1" dirty="0">
+                <a:solidFill>
+                  <a:srgbClr val="2D83C3"/>
+                </a:solidFill>
+                <a:latin typeface="Trebuchet MS"/>
+                <a:cs typeface="Trebuchet MS"/>
+              </a:rPr>
+              <a:t>Annual</a:t>
+            </a:r>
+            <a:r>
+              <a:rPr sz="1100" b="1" spc="-75" dirty="0">
+                <a:solidFill>
+                  <a:srgbClr val="2D83C3"/>
+                </a:solidFill>
+                <a:latin typeface="Trebuchet MS"/>
+                <a:cs typeface="Trebuchet MS"/>
+              </a:rPr>
+              <a:t> </a:t>
+            </a:r>
+            <a:r>
+              <a:rPr sz="1100" b="1" spc="-10" dirty="0">
+                <a:solidFill>
+                  <a:srgbClr val="2D83C3"/>
+                </a:solidFill>
+                <a:latin typeface="Trebuchet MS"/>
+                <a:cs typeface="Trebuchet MS"/>
+              </a:rPr>
+              <a:t>Review</a:t>
+            </a:r>
+            <a:endParaRPr sz="1100">
+              <a:latin typeface="Trebuchet MS"/>
+              <a:cs typeface="Trebuchet MS"/>
+            </a:endParaRPr>
+          </a:p>
+        </p:txBody>
+      </p:sp>
+      <p:pic>
+        <p:nvPicPr>
+          <p:cNvPr id="6" name="object 6"/>
+          <p:cNvPicPr/>
+          <p:nvPr/>
+        </p:nvPicPr>
+        <p:blipFill>
+          <a:blip r:embed="rId2" cstate="print"/>
+          <a:stretch>
+            <a:fillRect/>
+          </a:stretch>
+        </p:blipFill>
+        <p:spPr>
+          <a:xfrm>
+            <a:off x="1666875" y="6467475"/>
+            <a:ext cx="76200" cy="177800"/>
+          </a:xfrm>
+          <a:prstGeom prst="rect">
+            <a:avLst/>
+          </a:prstGeom>
+        </p:spPr>
+      </p:pic>
+      <p:sp>
+        <p:nvSpPr>
+          <p:cNvPr id="8" name="object 8"/>
+          <p:cNvSpPr txBox="1">
+            <a:spLocks noGrp="1"/>
+          </p:cNvSpPr>
+          <p:nvPr>
+            <p:ph type="title"/>
+          </p:nvPr>
+        </p:nvSpPr>
+        <p:spPr>
+          <a:prstGeom prst="rect">
+            <a:avLst/>
+          </a:prstGeom>
+        </p:spPr>
+        <p:txBody>
+          <a:bodyPr vert="horz" wrap="square" lIns="0" tIns="13335" rIns="0" bIns="0" rtlCol="0">
+            <a:spAutoFit/>
+          </a:bodyPr>
+          <a:lstStyle/>
+          <a:p>
+            <a:pPr marL="12700">
+              <a:lnSpc>
+                <a:spcPct val="100000"/>
+              </a:lnSpc>
+              <a:spcBef>
+                <a:spcPts val="105"/>
+              </a:spcBef>
+            </a:pPr>
+            <a:r>
+              <a:rPr spc="-10" dirty="0"/>
+              <a:t>MODELLING</a:t>
+            </a:r>
+          </a:p>
+        </p:txBody>
+      </p:sp>
+      <p:sp>
+        <p:nvSpPr>
+          <p:cNvPr id="7" name="Text Placeholder 6">
             <a:extLst>
               <a:ext uri="{FF2B5EF4-FFF2-40B4-BE49-F238E27FC236}">
-                <a16:creationId xmlns:a16="http://schemas.microsoft.com/office/drawing/2014/main" xmlns="" id="{E97069C9-8266-CD09-9DDB-7315D86356F1}"/>
+                <a16:creationId xmlns:a16="http://schemas.microsoft.com/office/drawing/2014/main" id="{C34B6E9A-A50B-7FF7-5846-2FE11AB154B5}"/>
               </a:ext>
             </a:extLst>
           </p:cNvPr>
@@ -2363,217 +2513,137 @@
         </p:nvSpPr>
         <p:spPr>
           <a:xfrm>
-            <a:off x="381000" y="152400"/>
-            <a:ext cx="9144000" cy="6771084"/>
+            <a:off x="609600" y="1577340"/>
+            <a:ext cx="10972800" cy="2769989"/>
           </a:xfrm>
         </p:spPr>
         <p:txBody>
           <a:bodyPr/>
           <a:lstStyle/>
           <a:p>
-            <a:pPr marL="342900" indent="-342900">
-              <a:buFont typeface="+mj-lt"/>
-              <a:buAutoNum type="arabicPeriod"/>
-            </a:pPr>
-            <a:r>
-              <a:rPr lang="en-US" sz="2200" b="1" dirty="0">
+            <a:r>
+              <a:rPr lang="en-US" sz="1800" dirty="0">
                 <a:latin typeface="Times New Roman" panose="02020603050405020304" pitchFamily="18" charset="0"/>
                 <a:cs typeface="Times New Roman" panose="02020603050405020304" pitchFamily="18" charset="0"/>
               </a:rPr>
-              <a:t>DATA GENERATION:</a:t>
-            </a:r>
-            <a:endParaRPr lang="en-US" sz="2200" dirty="0">
+              <a:t>4. Transformer-Based Models:</a:t>
+            </a:r>
+          </a:p>
+          <a:p>
+            <a:r>
+              <a:rPr lang="en-US" sz="1800" dirty="0">
+                <a:latin typeface="Times New Roman" panose="02020603050405020304" pitchFamily="18" charset="0"/>
+                <a:cs typeface="Times New Roman" panose="02020603050405020304" pitchFamily="18" charset="0"/>
+              </a:rPr>
+              <a:t>   - BERT (Bidirectional Encoder Representations from Transformers)</a:t>
+            </a:r>
+          </a:p>
+          <a:p>
+            <a:r>
+              <a:rPr lang="en-US" sz="1800" dirty="0">
+                <a:latin typeface="Times New Roman" panose="02020603050405020304" pitchFamily="18" charset="0"/>
+                <a:cs typeface="Times New Roman" panose="02020603050405020304" pitchFamily="18" charset="0"/>
+              </a:rPr>
+              <a:t>   - GPT (Generative Pre-trained Transformer)</a:t>
+            </a:r>
+          </a:p>
+          <a:p>
+            <a:endParaRPr lang="en-US" dirty="0">
               <a:latin typeface="Times New Roman" panose="02020603050405020304" pitchFamily="18" charset="0"/>
               <a:cs typeface="Times New Roman" panose="02020603050405020304" pitchFamily="18" charset="0"/>
             </a:endParaRPr>
           </a:p>
           <a:p>
             <a:r>
-              <a:rPr lang="en-US" sz="2200" dirty="0">
+              <a:rPr lang="en-US" dirty="0">
                 <a:latin typeface="Times New Roman" panose="02020603050405020304" pitchFamily="18" charset="0"/>
                 <a:cs typeface="Times New Roman" panose="02020603050405020304" pitchFamily="18" charset="0"/>
               </a:rPr>
-              <a:t>	Synthetic time-series data is generated with two sine waves and random noise using the 	“generate_time_series_data” function. </a:t>
-            </a:r>
-          </a:p>
-          <a:p>
-            <a:endParaRPr lang="en-US" sz="2200" dirty="0">
+              <a:t>6. Generative Adversarial Networks (GANs):</a:t>
+            </a:r>
+          </a:p>
+          <a:p>
+            <a:r>
+              <a:rPr lang="en-US" dirty="0">
+                <a:latin typeface="Times New Roman" panose="02020603050405020304" pitchFamily="18" charset="0"/>
+                <a:cs typeface="Times New Roman" panose="02020603050405020304" pitchFamily="18" charset="0"/>
+              </a:rPr>
+              <a:t>   - GANs can be used to generate fake news articles for data augmentation or to detect patterns in fake news content.</a:t>
+            </a:r>
+          </a:p>
+          <a:p>
+            <a:endParaRPr lang="en-US" dirty="0">
               <a:latin typeface="Times New Roman" panose="02020603050405020304" pitchFamily="18" charset="0"/>
               <a:cs typeface="Times New Roman" panose="02020603050405020304" pitchFamily="18" charset="0"/>
             </a:endParaRPr>
           </a:p>
           <a:p>
             <a:r>
-              <a:rPr lang="en-US" sz="2200" b="1" dirty="0">
+              <a:rPr lang="en-US" dirty="0">
                 <a:latin typeface="Times New Roman" panose="02020603050405020304" pitchFamily="18" charset="0"/>
                 <a:cs typeface="Times New Roman" panose="02020603050405020304" pitchFamily="18" charset="0"/>
               </a:rPr>
-              <a:t>2.   MODEL CREATION AND TRAINING:</a:t>
-            </a:r>
-            <a:endParaRPr lang="en-US" sz="2200" dirty="0">
+              <a:t>7. Hybrid Models:</a:t>
+            </a:r>
+          </a:p>
+          <a:p>
+            <a:r>
+              <a:rPr lang="en-US" dirty="0">
+                <a:latin typeface="Times New Roman" panose="02020603050405020304" pitchFamily="18" charset="0"/>
+                <a:cs typeface="Times New Roman" panose="02020603050405020304" pitchFamily="18" charset="0"/>
+              </a:rPr>
+              <a:t>   - Combining multiple models and techniques to improve overall performance and robustness.</a:t>
+            </a:r>
+          </a:p>
+          <a:p>
+            <a:endParaRPr lang="en-US" dirty="0">
               <a:latin typeface="Times New Roman" panose="02020603050405020304" pitchFamily="18" charset="0"/>
               <a:cs typeface="Times New Roman" panose="02020603050405020304" pitchFamily="18" charset="0"/>
             </a:endParaRPr>
           </a:p>
-          <a:p>
-            <a:pPr marL="800100" lvl="1" indent="-342900">
-              <a:buFont typeface="Arial" panose="020B0604020202020204" pitchFamily="34" charset="0"/>
-              <a:buChar char="•"/>
+        </p:txBody>
+      </p:sp>
+      <p:sp>
+        <p:nvSpPr>
+          <p:cNvPr id="9" name="object 9"/>
+          <p:cNvSpPr txBox="1">
+            <a:spLocks noGrp="1"/>
+          </p:cNvSpPr>
+          <p:nvPr>
+            <p:ph type="sldNum" sz="quarter" idx="7"/>
+          </p:nvPr>
+        </p:nvSpPr>
+        <p:spPr>
+          <a:prstGeom prst="rect">
+            <a:avLst/>
+          </a:prstGeom>
+        </p:spPr>
+        <p:txBody>
+          <a:bodyPr vert="horz" wrap="square" lIns="0" tIns="6985" rIns="0" bIns="0" rtlCol="0">
+            <a:spAutoFit/>
+          </a:bodyPr>
+          <a:lstStyle/>
+          <a:p>
+            <a:pPr marL="38100">
+              <a:lnSpc>
+                <a:spcPct val="100000"/>
+              </a:lnSpc>
+              <a:spcBef>
+                <a:spcPts val="55"/>
+              </a:spcBef>
             </a:pPr>
-            <a:r>
-              <a:rPr lang="en-US" sz="2200" dirty="0">
-                <a:latin typeface="Times New Roman" panose="02020603050405020304" pitchFamily="18" charset="0"/>
-                <a:cs typeface="Times New Roman" panose="02020603050405020304" pitchFamily="18" charset="0"/>
-              </a:rPr>
-              <a:t>An autoencoder model is created using LSTM layers with specified architecture in the “</a:t>
-            </a:r>
-            <a:r>
-              <a:rPr lang="en-US" sz="2200" dirty="0" err="1">
-                <a:latin typeface="Times New Roman" panose="02020603050405020304" pitchFamily="18" charset="0"/>
-                <a:cs typeface="Times New Roman" panose="02020603050405020304" pitchFamily="18" charset="0"/>
-              </a:rPr>
-              <a:t>create_autoencoder</a:t>
-            </a:r>
-            <a:r>
-              <a:rPr lang="en-US" sz="2200" dirty="0">
-                <a:latin typeface="Times New Roman" panose="02020603050405020304" pitchFamily="18" charset="0"/>
-                <a:cs typeface="Times New Roman" panose="02020603050405020304" pitchFamily="18" charset="0"/>
-              </a:rPr>
-              <a:t>” function.</a:t>
-            </a:r>
-          </a:p>
-          <a:p>
-            <a:pPr marL="800100" lvl="1" indent="-342900">
-              <a:buFont typeface="Arial" panose="020B0604020202020204" pitchFamily="34" charset="0"/>
-              <a:buChar char="•"/>
-            </a:pPr>
-            <a:r>
-              <a:rPr lang="en-US" sz="2200" dirty="0">
-                <a:latin typeface="Times New Roman" panose="02020603050405020304" pitchFamily="18" charset="0"/>
-                <a:cs typeface="Times New Roman" panose="02020603050405020304" pitchFamily="18" charset="0"/>
-              </a:rPr>
-              <a:t>The autoencoder model is trained on the generated time-series data using the “</a:t>
-            </a:r>
-            <a:r>
-              <a:rPr lang="en-US" sz="2200" dirty="0" err="1">
-                <a:latin typeface="Times New Roman" panose="02020603050405020304" pitchFamily="18" charset="0"/>
-                <a:cs typeface="Times New Roman" panose="02020603050405020304" pitchFamily="18" charset="0"/>
-              </a:rPr>
-              <a:t>train_autoencoder</a:t>
-            </a:r>
-            <a:r>
-              <a:rPr lang="en-US" sz="2200" dirty="0">
-                <a:latin typeface="Times New Roman" panose="02020603050405020304" pitchFamily="18" charset="0"/>
-                <a:cs typeface="Times New Roman" panose="02020603050405020304" pitchFamily="18" charset="0"/>
-              </a:rPr>
-              <a:t>” function. The model is optimized to minimize the mean squared error loss between the input and output sequences.</a:t>
-            </a:r>
-          </a:p>
-          <a:p>
-            <a:pPr marL="800100" lvl="1" indent="-342900">
-              <a:buFont typeface="+mj-lt"/>
-              <a:buAutoNum type="arabicPeriod"/>
-            </a:pPr>
-            <a:endParaRPr lang="en-US" sz="2200" dirty="0">
-              <a:latin typeface="Times New Roman" panose="02020603050405020304" pitchFamily="18" charset="0"/>
-              <a:cs typeface="Times New Roman" panose="02020603050405020304" pitchFamily="18" charset="0"/>
-            </a:endParaRPr>
-          </a:p>
-          <a:p>
-            <a:r>
-              <a:rPr lang="en-US" sz="2200" b="1" dirty="0">
-                <a:latin typeface="Times New Roman" panose="02020603050405020304" pitchFamily="18" charset="0"/>
-                <a:cs typeface="Times New Roman" panose="02020603050405020304" pitchFamily="18" charset="0"/>
-              </a:rPr>
-              <a:t>3.   SEQUENCE GENERATION:</a:t>
-            </a:r>
-            <a:endParaRPr lang="en-US" sz="2200" dirty="0">
-              <a:latin typeface="Times New Roman" panose="02020603050405020304" pitchFamily="18" charset="0"/>
-              <a:cs typeface="Times New Roman" panose="02020603050405020304" pitchFamily="18" charset="0"/>
-            </a:endParaRPr>
-          </a:p>
-          <a:p>
-            <a:pPr marL="800100" lvl="1" indent="-342900">
-              <a:buFont typeface="Arial" panose="020B0604020202020204" pitchFamily="34" charset="0"/>
-              <a:buChar char="•"/>
-            </a:pPr>
-            <a:r>
-              <a:rPr lang="en-US" sz="2200" dirty="0">
-                <a:latin typeface="Times New Roman" panose="02020603050405020304" pitchFamily="18" charset="0"/>
-                <a:cs typeface="Times New Roman" panose="02020603050405020304" pitchFamily="18" charset="0"/>
-              </a:rPr>
-              <a:t>After training the autoencoder, a new sequence of future data points is generated using the “</a:t>
-            </a:r>
-            <a:r>
-              <a:rPr lang="en-US" sz="2200" dirty="0" err="1">
-                <a:latin typeface="Times New Roman" panose="02020603050405020304" pitchFamily="18" charset="0"/>
-                <a:cs typeface="Times New Roman" panose="02020603050405020304" pitchFamily="18" charset="0"/>
-              </a:rPr>
-              <a:t>generate_new_sequence</a:t>
-            </a:r>
-            <a:r>
-              <a:rPr lang="en-US" sz="2200" dirty="0">
-                <a:latin typeface="Times New Roman" panose="02020603050405020304" pitchFamily="18" charset="0"/>
-                <a:cs typeface="Times New Roman" panose="02020603050405020304" pitchFamily="18" charset="0"/>
-              </a:rPr>
-              <a:t>” function.</a:t>
-            </a:r>
-          </a:p>
-          <a:p>
-            <a:pPr marL="800100" lvl="1" indent="-342900">
-              <a:buFont typeface="Arial" panose="020B0604020202020204" pitchFamily="34" charset="0"/>
-              <a:buChar char="•"/>
-            </a:pPr>
-            <a:r>
-              <a:rPr lang="en-US" sz="2200" dirty="0">
-                <a:latin typeface="Times New Roman" panose="02020603050405020304" pitchFamily="18" charset="0"/>
-                <a:cs typeface="Times New Roman" panose="02020603050405020304" pitchFamily="18" charset="0"/>
-              </a:rPr>
-              <a:t>This function takes a seed sequence and iteratively predicts future data points based on the learned patterns in the autoencoder model.</a:t>
-            </a:r>
-          </a:p>
-          <a:p>
-            <a:pPr marL="800100" lvl="1" indent="-342900">
-              <a:buFont typeface="+mj-lt"/>
-              <a:buAutoNum type="arabicPeriod"/>
-            </a:pPr>
-            <a:endParaRPr lang="en-US" sz="2200" dirty="0">
-              <a:latin typeface="Times New Roman" panose="02020603050405020304" pitchFamily="18" charset="0"/>
-              <a:cs typeface="Times New Roman" panose="02020603050405020304" pitchFamily="18" charset="0"/>
-            </a:endParaRPr>
-          </a:p>
-          <a:p>
-            <a:r>
-              <a:rPr lang="en-US" sz="2200" b="1" dirty="0">
-                <a:latin typeface="Times New Roman" panose="02020603050405020304" pitchFamily="18" charset="0"/>
-                <a:cs typeface="Times New Roman" panose="02020603050405020304" pitchFamily="18" charset="0"/>
-              </a:rPr>
-              <a:t>4.   VISUALIZATION:</a:t>
-            </a:r>
-            <a:endParaRPr lang="en-US" sz="2200" dirty="0">
-              <a:latin typeface="Times New Roman" panose="02020603050405020304" pitchFamily="18" charset="0"/>
-              <a:cs typeface="Times New Roman" panose="02020603050405020304" pitchFamily="18" charset="0"/>
-            </a:endParaRPr>
-          </a:p>
-          <a:p>
-            <a:r>
-              <a:rPr lang="en-US" sz="2200" dirty="0">
-                <a:latin typeface="Times New Roman" panose="02020603050405020304" pitchFamily="18" charset="0"/>
-                <a:cs typeface="Times New Roman" panose="02020603050405020304" pitchFamily="18" charset="0"/>
-              </a:rPr>
-              <a:t>	Finally, the original seed sequence and the generated future sequence are plotted for comparison using Matplotlib.</a:t>
-            </a:r>
-            <a:endParaRPr lang="en-IN" sz="2200" dirty="0">
-              <a:latin typeface="Times New Roman" panose="02020603050405020304" pitchFamily="18" charset="0"/>
-              <a:cs typeface="Times New Roman" panose="02020603050405020304" pitchFamily="18" charset="0"/>
-            </a:endParaRPr>
+            <a:fld id="{81D60167-4931-47E6-BA6A-407CBD079E47}" type="slidenum">
+              <a:rPr spc="-25" dirty="0"/>
+              <a:t>10</a:t>
+            </a:fld>
+            <a:endParaRPr spc="-25" dirty="0"/>
           </a:p>
         </p:txBody>
       </p:sp>
     </p:spTree>
     <p:extLst>
       <p:ext uri="{BB962C8B-B14F-4D97-AF65-F5344CB8AC3E}">
-        <p14:creationId xmlns:p14="http://schemas.microsoft.com/office/powerpoint/2010/main" val="726128923"/>
+        <p14:creationId xmlns:p14="http://schemas.microsoft.com/office/powerpoint/2010/main" val="3891301014"/>
       </p:ext>
     </p:extLst>
   </p:cSld>
@@ -2683,106 +2753,6 @@
           </a:p>
         </p:txBody>
       </p:sp>
-      <p:sp>
-        <p:nvSpPr>
-          <p:cNvPr id="3" name="object 3"/>
-          <p:cNvSpPr/>
-          <p:nvPr/>
-        </p:nvSpPr>
-        <p:spPr>
-          <a:xfrm>
-            <a:off x="9353550" y="5362575"/>
-            <a:ext cx="457200" cy="457200"/>
-          </a:xfrm>
-          <a:custGeom>
-            <a:avLst/>
-            <a:gdLst/>
-            <a:ahLst/>
-            <a:cxnLst/>
-            <a:rect l="l" t="t" r="r" b="b"/>
-            <a:pathLst>
-              <a:path w="457200" h="457200">
-                <a:moveTo>
-                  <a:pt x="457200" y="0"/>
-                </a:moveTo>
-                <a:lnTo>
-                  <a:pt x="0" y="0"/>
-                </a:lnTo>
-                <a:lnTo>
-                  <a:pt x="0" y="457200"/>
-                </a:lnTo>
-                <a:lnTo>
-                  <a:pt x="457200" y="457200"/>
-                </a:lnTo>
-                <a:lnTo>
-                  <a:pt x="457200" y="0"/>
-                </a:lnTo>
-                <a:close/>
-              </a:path>
-            </a:pathLst>
-          </a:custGeom>
-          <a:solidFill>
-            <a:srgbClr val="42AF51"/>
-          </a:solidFill>
-        </p:spPr>
-        <p:txBody>
-          <a:bodyPr wrap="square" lIns="0" tIns="0" rIns="0" bIns="0" rtlCol="0"/>
-          <a:lstStyle/>
-          <a:p>
-            <a:endParaRPr/>
-          </a:p>
-        </p:txBody>
-      </p:sp>
-      <p:sp>
-        <p:nvSpPr>
-          <p:cNvPr id="5" name="object 5"/>
-          <p:cNvSpPr/>
-          <p:nvPr/>
-        </p:nvSpPr>
-        <p:spPr>
-          <a:xfrm>
-            <a:off x="9353550" y="5895975"/>
-            <a:ext cx="180975" cy="180975"/>
-          </a:xfrm>
-          <a:custGeom>
-            <a:avLst/>
-            <a:gdLst/>
-            <a:ahLst/>
-            <a:cxnLst/>
-            <a:rect l="l" t="t" r="r" b="b"/>
-            <a:pathLst>
-              <a:path w="180975" h="180975">
-                <a:moveTo>
-                  <a:pt x="180975" y="0"/>
-                </a:moveTo>
-                <a:lnTo>
-                  <a:pt x="0" y="0"/>
-                </a:lnTo>
-                <a:lnTo>
-                  <a:pt x="0" y="180975"/>
-                </a:lnTo>
-                <a:lnTo>
-                  <a:pt x="180975" y="180975"/>
-                </a:lnTo>
-                <a:lnTo>
-                  <a:pt x="180975" y="0"/>
-                </a:lnTo>
-                <a:close/>
-              </a:path>
-            </a:pathLst>
-          </a:custGeom>
-          <a:solidFill>
-            <a:srgbClr val="2D936B"/>
-          </a:solidFill>
-        </p:spPr>
-        <p:txBody>
-          <a:bodyPr wrap="square" lIns="0" tIns="0" rIns="0" bIns="0" rtlCol="0"/>
-          <a:lstStyle/>
-          <a:p>
-            <a:endParaRPr/>
-          </a:p>
-        </p:txBody>
-      </p:sp>
       <p:pic>
         <p:nvPicPr>
           <p:cNvPr id="6" name="object 6"/>
@@ -2878,56 +2848,12 @@
           </a:p>
         </p:txBody>
       </p:sp>
-      <p:sp>
-        <p:nvSpPr>
-          <p:cNvPr id="8" name="object 8"/>
-          <p:cNvSpPr txBox="1"/>
-          <p:nvPr/>
-        </p:nvSpPr>
-        <p:spPr>
-          <a:xfrm>
-            <a:off x="683258" y="6111875"/>
-            <a:ext cx="10835259" cy="324448"/>
-          </a:xfrm>
-          <a:prstGeom prst="rect">
-            <a:avLst/>
-          </a:prstGeom>
-        </p:spPr>
-        <p:txBody>
-          <a:bodyPr vert="horz" wrap="square" lIns="0" tIns="16510" rIns="0" bIns="0" rtlCol="0">
-            <a:spAutoFit/>
-          </a:bodyPr>
-          <a:lstStyle/>
-          <a:p>
-            <a:pPr marL="12700">
-              <a:lnSpc>
-                <a:spcPct val="100000"/>
-              </a:lnSpc>
-              <a:spcBef>
-                <a:spcPts val="130"/>
-              </a:spcBef>
-            </a:pPr>
-            <a:r>
-              <a:rPr lang="en-IN" sz="2000" dirty="0">
-                <a:latin typeface="Trebuchet MS"/>
-                <a:cs typeface="Trebuchet MS"/>
-                <a:hlinkClick r:id="rId3"/>
-              </a:rPr>
-              <a:t>https://drive.google.com/file/d/1E2lLc1FGSRKmYAylv0-BC-nsH2qHvzf7/view?usp=sharing</a:t>
-            </a:r>
-            <a:endParaRPr sz="2000" dirty="0">
-              <a:latin typeface="Trebuchet MS"/>
-              <a:cs typeface="Trebuchet MS"/>
-            </a:endParaRPr>
-          </a:p>
-        </p:txBody>
-      </p:sp>
       <p:pic>
         <p:nvPicPr>
-          <p:cNvPr id="11" name="Picture 10">
+          <p:cNvPr id="4" name="Picture 3">
             <a:extLst>
               <a:ext uri="{FF2B5EF4-FFF2-40B4-BE49-F238E27FC236}">
-                <a16:creationId xmlns:a16="http://schemas.microsoft.com/office/drawing/2014/main" xmlns="" id="{D5F638E4-2097-F4B7-3D3C-017DE492AF49}"/>
+                <a16:creationId xmlns:a16="http://schemas.microsoft.com/office/drawing/2014/main" id="{5B6F30A4-46EB-BB93-755C-7ABBD4D27EE8}"/>
               </a:ext>
             </a:extLst>
           </p:cNvPr>
@@ -2937,68 +2863,27 @@
           <p:nvPr/>
         </p:nvPicPr>
         <p:blipFill>
-          <a:blip r:embed="rId4"/>
+          <a:blip r:embed="rId3">
+            <a:extLst>
+              <a:ext uri="{28A0092B-C50C-407E-A947-70E740481C1C}">
+                <a14:useLocalDpi xmlns:a14="http://schemas.microsoft.com/office/drawing/2010/main" val="0"/>
+              </a:ext>
+            </a:extLst>
+          </a:blip>
           <a:stretch>
             <a:fillRect/>
           </a:stretch>
         </p:blipFill>
         <p:spPr>
           <a:xfrm>
-            <a:off x="683259" y="1369349"/>
-            <a:ext cx="5509737" cy="3993226"/>
+            <a:off x="1371600" y="1393126"/>
+            <a:ext cx="8229600" cy="3940874"/>
           </a:xfrm>
           <a:prstGeom prst="rect">
             <a:avLst/>
           </a:prstGeom>
         </p:spPr>
       </p:pic>
-      <p:sp>
-        <p:nvSpPr>
-          <p:cNvPr id="12" name="TextBox 11">
-            <a:extLst>
-              <a:ext uri="{FF2B5EF4-FFF2-40B4-BE49-F238E27FC236}">
-                <a16:creationId xmlns:a16="http://schemas.microsoft.com/office/drawing/2014/main" xmlns="" id="{92DF4BF8-E549-58B3-B979-E1105EBA7B56}"/>
-              </a:ext>
-            </a:extLst>
-          </p:cNvPr>
-          <p:cNvSpPr txBox="1"/>
-          <p:nvPr/>
-        </p:nvSpPr>
-        <p:spPr>
-          <a:xfrm>
-            <a:off x="6222493" y="743340"/>
-            <a:ext cx="3505200" cy="4602029"/>
-          </a:xfrm>
-          <a:prstGeom prst="rect">
-            <a:avLst/>
-          </a:prstGeom>
-          <a:noFill/>
-        </p:spPr>
-        <p:txBody>
-          <a:bodyPr wrap="square" rtlCol="0">
-            <a:spAutoFit/>
-          </a:bodyPr>
-          <a:lstStyle/>
-          <a:p>
-            <a:pPr>
-              <a:lnSpc>
-                <a:spcPct val="150000"/>
-              </a:lnSpc>
-            </a:pPr>
-            <a:r>
-              <a:rPr lang="en-US" sz="2200" dirty="0">
-                <a:latin typeface="Times New Roman" panose="02020603050405020304" pitchFamily="18" charset="0"/>
-                <a:cs typeface="Times New Roman" panose="02020603050405020304" pitchFamily="18" charset="0"/>
-              </a:rPr>
-              <a:t>The project's results demonstrate the autoencoder's ability to accurately forecast future values in time-series data, showcasing its effectiveness in capturing temporal patterns and generating precise predictions.</a:t>
-            </a:r>
-            <a:endParaRPr lang="en-IN" sz="2200" dirty="0">
-              <a:latin typeface="Times New Roman" panose="02020603050405020304" pitchFamily="18" charset="0"/>
-              <a:cs typeface="Times New Roman" panose="02020603050405020304" pitchFamily="18" charset="0"/>
-            </a:endParaRPr>
-          </a:p>
-        </p:txBody>
-      </p:sp>
     </p:spTree>
   </p:cSld>
   <p:clrMapOvr>
@@ -3024,56 +2909,6 @@
           <a:chExt cx="0" cy="0"/>
         </a:xfrm>
       </p:grpSpPr>
-      <p:sp>
-        <p:nvSpPr>
-          <p:cNvPr id="2" name="object 2"/>
-          <p:cNvSpPr/>
-          <p:nvPr/>
-        </p:nvSpPr>
-        <p:spPr>
-          <a:xfrm>
-            <a:off x="0" y="0"/>
-            <a:ext cx="12192000" cy="6858000"/>
-          </a:xfrm>
-          <a:custGeom>
-            <a:avLst/>
-            <a:gdLst/>
-            <a:ahLst/>
-            <a:cxnLst/>
-            <a:rect l="l" t="t" r="r" b="b"/>
-            <a:pathLst>
-              <a:path w="12192000" h="6858000">
-                <a:moveTo>
-                  <a:pt x="12192000" y="0"/>
-                </a:moveTo>
-                <a:lnTo>
-                  <a:pt x="0" y="0"/>
-                </a:lnTo>
-                <a:lnTo>
-                  <a:pt x="0" y="6858000"/>
-                </a:lnTo>
-                <a:lnTo>
-                  <a:pt x="12192000" y="6858000"/>
-                </a:lnTo>
-                <a:lnTo>
-                  <a:pt x="12192000" y="0"/>
-                </a:lnTo>
-                <a:close/>
-              </a:path>
-            </a:pathLst>
-          </a:custGeom>
-          <a:solidFill>
-            <a:srgbClr val="F1F1F1"/>
-          </a:solidFill>
-        </p:spPr>
-        <p:txBody>
-          <a:bodyPr wrap="square" lIns="0" tIns="0" rIns="0" bIns="0" rtlCol="0"/>
-          <a:lstStyle/>
-          <a:p>
-            <a:endParaRPr dirty="0"/>
-          </a:p>
-        </p:txBody>
-      </p:sp>
       <p:grpSp>
         <p:nvGrpSpPr>
           <p:cNvPr id="3" name="object 3"/>
@@ -3742,8 +3577,8 @@
         </p:nvSpPr>
         <p:spPr>
           <a:xfrm>
-            <a:off x="592308" y="-4783"/>
-            <a:ext cx="9764395" cy="1019189"/>
+            <a:off x="1066800" y="425834"/>
+            <a:ext cx="8743950" cy="1573187"/>
           </a:xfrm>
           <a:prstGeom prst="rect">
             <a:avLst/>
@@ -3755,7 +3590,7 @@
           </a:bodyPr>
           <a:lstStyle/>
           <a:p>
-            <a:pPr marL="193675">
+            <a:pPr marL="193675" algn="ctr">
               <a:lnSpc>
                 <a:spcPct val="100000"/>
               </a:lnSpc>
@@ -3764,23 +3599,15 @@
               </a:spcBef>
             </a:pPr>
             <a:r>
-              <a:rPr lang="en-IN" sz="3600" i="0" dirty="0">
+              <a:rPr lang="en-US" sz="3600" dirty="0">
                 <a:solidFill>
                   <a:srgbClr val="00B050"/>
                 </a:solidFill>
-                <a:effectLst/>
                 <a:latin typeface="Times New Roman" panose="02020603050405020304" pitchFamily="18" charset="0"/>
                 <a:cs typeface="Times New Roman" panose="02020603050405020304" pitchFamily="18" charset="0"/>
               </a:rPr>
-              <a:t>Time-Series Forecasting with Autoencoders</a:t>
-            </a:r>
-            <a:endParaRPr sz="3600" dirty="0">
-              <a:solidFill>
-                <a:srgbClr val="00B050"/>
-              </a:solidFill>
-              <a:latin typeface="Times New Roman" panose="02020603050405020304" pitchFamily="18" charset="0"/>
-              <a:cs typeface="Times New Roman" panose="02020603050405020304" pitchFamily="18" charset="0"/>
-            </a:endParaRPr>
+              <a:t>FAKE NEWS DETECTION USING AUTOENCODERS</a:t>
+            </a:r>
           </a:p>
         </p:txBody>
       </p:sp>
@@ -3968,10 +3795,10 @@
       </p:sp>
       <p:pic>
         <p:nvPicPr>
-          <p:cNvPr id="24" name="Picture 23">
+          <p:cNvPr id="27" name="Picture 26">
             <a:extLst>
               <a:ext uri="{FF2B5EF4-FFF2-40B4-BE49-F238E27FC236}">
-                <a16:creationId xmlns:a16="http://schemas.microsoft.com/office/drawing/2014/main" xmlns="" id="{9CE24F8F-C10B-693D-28AE-F378163B2DA9}"/>
+                <a16:creationId xmlns:a16="http://schemas.microsoft.com/office/drawing/2014/main" id="{BCE9C81C-8A42-66B2-C6A0-3AA6F42DB3AA}"/>
               </a:ext>
             </a:extLst>
           </p:cNvPr>
@@ -3994,8 +3821,8 @@
         </p:blipFill>
         <p:spPr>
           <a:xfrm>
-            <a:off x="1596009" y="1371600"/>
-            <a:ext cx="6770433" cy="4624693"/>
+            <a:off x="2743200" y="2209800"/>
+            <a:ext cx="5276852" cy="3733799"/>
           </a:xfrm>
           <a:prstGeom prst="rect">
             <a:avLst/>
@@ -4027,56 +3854,6 @@
           <a:chExt cx="0" cy="0"/>
         </a:xfrm>
       </p:grpSpPr>
-      <p:sp>
-        <p:nvSpPr>
-          <p:cNvPr id="2" name="object 2"/>
-          <p:cNvSpPr/>
-          <p:nvPr/>
-        </p:nvSpPr>
-        <p:spPr>
-          <a:xfrm>
-            <a:off x="0" y="0"/>
-            <a:ext cx="12192000" cy="6858000"/>
-          </a:xfrm>
-          <a:custGeom>
-            <a:avLst/>
-            <a:gdLst/>
-            <a:ahLst/>
-            <a:cxnLst/>
-            <a:rect l="l" t="t" r="r" b="b"/>
-            <a:pathLst>
-              <a:path w="12192000" h="6858000">
-                <a:moveTo>
-                  <a:pt x="12192000" y="0"/>
-                </a:moveTo>
-                <a:lnTo>
-                  <a:pt x="0" y="0"/>
-                </a:lnTo>
-                <a:lnTo>
-                  <a:pt x="0" y="6858000"/>
-                </a:lnTo>
-                <a:lnTo>
-                  <a:pt x="12192000" y="6858000"/>
-                </a:lnTo>
-                <a:lnTo>
-                  <a:pt x="12192000" y="0"/>
-                </a:lnTo>
-                <a:close/>
-              </a:path>
-            </a:pathLst>
-          </a:custGeom>
-          <a:solidFill>
-            <a:srgbClr val="F1F1F1"/>
-          </a:solidFill>
-        </p:spPr>
-        <p:txBody>
-          <a:bodyPr wrap="square" lIns="0" tIns="0" rIns="0" bIns="0" rtlCol="0"/>
-          <a:lstStyle/>
-          <a:p>
-            <a:endParaRPr/>
-          </a:p>
-        </p:txBody>
-      </p:sp>
       <p:grpSp>
         <p:nvGrpSpPr>
           <p:cNvPr id="3" name="object 3"/>
@@ -5105,7 +4882,7 @@
           <p:cNvPr id="23" name="TextBox 22">
             <a:extLst>
               <a:ext uri="{FF2B5EF4-FFF2-40B4-BE49-F238E27FC236}">
-                <a16:creationId xmlns:a16="http://schemas.microsoft.com/office/drawing/2014/main" xmlns="" id="{92A1869E-AF94-1606-6E24-4FCF3B1A9C6E}"/>
+                <a16:creationId xmlns:a16="http://schemas.microsoft.com/office/drawing/2014/main" id="{92A1869E-AF94-1606-6E24-4FCF3B1A9C6E}"/>
               </a:ext>
             </a:extLst>
           </p:cNvPr>
@@ -5114,8 +4891,8 @@
         </p:nvSpPr>
         <p:spPr>
           <a:xfrm>
-            <a:off x="2285999" y="1752600"/>
-            <a:ext cx="5052379" cy="5078313"/>
+            <a:off x="2286000" y="1752600"/>
+            <a:ext cx="3962400" cy="5632311"/>
           </a:xfrm>
           <a:prstGeom prst="rect">
             <a:avLst/>
@@ -5191,10 +4968,10 @@
                 <a:latin typeface="Times New Roman" panose="02020603050405020304" pitchFamily="18" charset="0"/>
                 <a:cs typeface="Times New Roman" panose="02020603050405020304" pitchFamily="18" charset="0"/>
               </a:rPr>
-              <a:t>END</a:t>
-            </a:r>
-            <a:r>
-              <a:rPr lang="en-US" sz="2400" spc="-70" dirty="0">
+              <a:t>WHO</a:t>
+            </a:r>
+            <a:r>
+              <a:rPr lang="en-US" sz="2400" spc="-245" dirty="0">
                 <a:solidFill>
                   <a:srgbClr val="00B050"/>
                 </a:solidFill>
@@ -5204,14 +4981,74 @@
               <a:t> </a:t>
             </a:r>
             <a:r>
-              <a:rPr lang="en-US" sz="2400" spc="-10" dirty="0">
+              <a:rPr lang="en-US" sz="2400" dirty="0">
                 <a:solidFill>
                   <a:srgbClr val="00B050"/>
                 </a:solidFill>
                 <a:latin typeface="Times New Roman" panose="02020603050405020304" pitchFamily="18" charset="0"/>
                 <a:cs typeface="Times New Roman" panose="02020603050405020304" pitchFamily="18" charset="0"/>
               </a:rPr>
-              <a:t>USERS</a:t>
+              <a:t>ARE</a:t>
+            </a:r>
+            <a:r>
+              <a:rPr lang="en-US" sz="2400" spc="-70" dirty="0">
+                <a:solidFill>
+                  <a:srgbClr val="00B050"/>
+                </a:solidFill>
+                <a:latin typeface="Times New Roman" panose="02020603050405020304" pitchFamily="18" charset="0"/>
+                <a:cs typeface="Times New Roman" panose="02020603050405020304" pitchFamily="18" charset="0"/>
+              </a:rPr>
+              <a:t> </a:t>
+            </a:r>
+            <a:r>
+              <a:rPr lang="en-US" sz="2400" dirty="0">
+                <a:solidFill>
+                  <a:srgbClr val="00B050"/>
+                </a:solidFill>
+                <a:latin typeface="Times New Roman" panose="02020603050405020304" pitchFamily="18" charset="0"/>
+                <a:cs typeface="Times New Roman" panose="02020603050405020304" pitchFamily="18" charset="0"/>
+              </a:rPr>
+              <a:t>THE</a:t>
+            </a:r>
+            <a:r>
+              <a:rPr lang="en-US" sz="2400" spc="-55" dirty="0">
+                <a:solidFill>
+                  <a:srgbClr val="00B050"/>
+                </a:solidFill>
+                <a:latin typeface="Times New Roman" panose="02020603050405020304" pitchFamily="18" charset="0"/>
+                <a:cs typeface="Times New Roman" panose="02020603050405020304" pitchFamily="18" charset="0"/>
+              </a:rPr>
+              <a:t> </a:t>
+            </a:r>
+            <a:r>
+              <a:rPr lang="en-US" sz="2400" dirty="0">
+                <a:solidFill>
+                  <a:srgbClr val="00B050"/>
+                </a:solidFill>
+                <a:latin typeface="Times New Roman" panose="02020603050405020304" pitchFamily="18" charset="0"/>
+                <a:cs typeface="Times New Roman" panose="02020603050405020304" pitchFamily="18" charset="0"/>
+              </a:rPr>
+              <a:t>END</a:t>
+            </a:r>
+            <a:r>
+              <a:rPr lang="en-US" sz="2400" spc="-70" dirty="0">
+                <a:solidFill>
+                  <a:srgbClr val="00B050"/>
+                </a:solidFill>
+                <a:latin typeface="Times New Roman" panose="02020603050405020304" pitchFamily="18" charset="0"/>
+                <a:cs typeface="Times New Roman" panose="02020603050405020304" pitchFamily="18" charset="0"/>
+              </a:rPr>
+              <a:t> </a:t>
+            </a:r>
+            <a:r>
+              <a:rPr lang="en-US" sz="2400" spc="-10" dirty="0">
+                <a:solidFill>
+                  <a:srgbClr val="00B050"/>
+                </a:solidFill>
+                <a:latin typeface="Times New Roman" panose="02020603050405020304" pitchFamily="18" charset="0"/>
+                <a:cs typeface="Times New Roman" panose="02020603050405020304" pitchFamily="18" charset="0"/>
+              </a:rPr>
+              <a:t>USERS?</a:t>
             </a:r>
           </a:p>
           <a:p>
@@ -5230,7 +5067,7 @@
                 <a:latin typeface="Times New Roman" panose="02020603050405020304" pitchFamily="18" charset="0"/>
                 <a:cs typeface="Times New Roman" panose="02020603050405020304" pitchFamily="18" charset="0"/>
               </a:rPr>
-              <a:t>SOLUTION AND PROPOSITION</a:t>
+              <a:t>SOLUTION</a:t>
             </a:r>
           </a:p>
           <a:p>
@@ -5249,7 +5086,7 @@
                 <a:latin typeface="Times New Roman" panose="02020603050405020304" pitchFamily="18" charset="0"/>
                 <a:cs typeface="Times New Roman" panose="02020603050405020304" pitchFamily="18" charset="0"/>
               </a:rPr>
-              <a:t>KEY FEATURES</a:t>
+              <a:t>WOW IN THE SOLUTION</a:t>
             </a:r>
           </a:p>
           <a:p>
@@ -5268,7 +5105,7 @@
                 <a:latin typeface="Times New Roman" panose="02020603050405020304" pitchFamily="18" charset="0"/>
                 <a:cs typeface="Times New Roman" panose="02020603050405020304" pitchFamily="18" charset="0"/>
               </a:rPr>
-              <a:t>MODELLING APPROACH</a:t>
+              <a:t>MODEL</a:t>
             </a:r>
           </a:p>
           <a:p>
@@ -5352,8 +5189,8 @@
           <p:nvPr/>
         </p:nvGrpSpPr>
         <p:grpSpPr>
-          <a:xfrm rot="20077202">
-            <a:off x="8413425" y="3863776"/>
+          <a:xfrm>
+            <a:off x="7991475" y="2933700"/>
             <a:ext cx="2762250" cy="3257550"/>
             <a:chOff x="7991475" y="2933700"/>
             <a:chExt cx="2762250" cy="3257550"/>
@@ -5494,8 +5331,8 @@
         </p:nvSpPr>
         <p:spPr>
           <a:xfrm>
-            <a:off x="834072" y="575055"/>
-            <a:ext cx="5638800" cy="678180"/>
+            <a:off x="457200" y="1166745"/>
+            <a:ext cx="6833235" cy="670696"/>
           </a:xfrm>
           <a:prstGeom prst="rect">
             <a:avLst/>
@@ -5534,110 +5371,54 @@
           </a:p>
         </p:txBody>
       </p:sp>
-      <p:pic>
-        <p:nvPicPr>
-          <p:cNvPr id="8" name="object 8"/>
-          <p:cNvPicPr/>
-          <p:nvPr/>
-        </p:nvPicPr>
-        <p:blipFill>
-          <a:blip r:embed="rId3" cstate="print"/>
-          <a:stretch>
-            <a:fillRect/>
-          </a:stretch>
-        </p:blipFill>
+      <p:sp>
+        <p:nvSpPr>
+          <p:cNvPr id="11" name="Text Placeholder 10">
+            <a:extLst>
+              <a:ext uri="{FF2B5EF4-FFF2-40B4-BE49-F238E27FC236}">
+                <a16:creationId xmlns:a16="http://schemas.microsoft.com/office/drawing/2014/main" id="{6CC5A470-48B3-0603-7BD9-A61654213937}"/>
+              </a:ext>
+            </a:extLst>
+          </p:cNvPr>
+          <p:cNvSpPr>
+            <a:spLocks noGrp="1"/>
+          </p:cNvSpPr>
+          <p:nvPr>
+            <p:ph type="body" idx="1"/>
+          </p:nvPr>
+        </p:nvSpPr>
         <p:spPr>
           <a:xfrm>
-            <a:off x="676275" y="6467475"/>
-            <a:ext cx="2143125" cy="200025"/>
+            <a:off x="676275" y="2366685"/>
+            <a:ext cx="8010525" cy="2727029"/>
           </a:xfrm>
-          <a:prstGeom prst="rect">
-            <a:avLst/>
-          </a:prstGeom>
-        </p:spPr>
-      </p:pic>
-      <p:sp>
-        <p:nvSpPr>
-          <p:cNvPr id="9" name="object 9"/>
-          <p:cNvSpPr txBox="1"/>
-          <p:nvPr/>
-        </p:nvSpPr>
-        <p:spPr>
-          <a:xfrm>
-            <a:off x="739775" y="6473337"/>
-            <a:ext cx="1798955" cy="191770"/>
-          </a:xfrm>
-          <a:prstGeom prst="rect">
-            <a:avLst/>
-          </a:prstGeom>
-        </p:spPr>
-        <p:txBody>
-          <a:bodyPr vert="horz" wrap="square" lIns="0" tIns="6985" rIns="0" bIns="0" rtlCol="0">
-            <a:spAutoFit/>
-          </a:bodyPr>
+        </p:spPr>
+        <p:txBody>
+          <a:bodyPr/>
           <a:lstStyle/>
           <a:p>
-            <a:pPr marL="12700">
+            <a:endParaRPr lang="en-US" dirty="0"/>
+          </a:p>
+          <a:p>
+            <a:pPr algn="just">
               <a:lnSpc>
-                <a:spcPct val="100000"/>
+                <a:spcPct val="150000"/>
               </a:lnSpc>
-              <a:spcBef>
-                <a:spcPts val="55"/>
-              </a:spcBef>
             </a:pPr>
             <a:r>
-              <a:rPr sz="1100" dirty="0">
-                <a:solidFill>
-                  <a:srgbClr val="2D83C3"/>
-                </a:solidFill>
-                <a:latin typeface="Trebuchet MS"/>
-                <a:cs typeface="Trebuchet MS"/>
-              </a:rPr>
-              <a:t>3/21/2024</a:t>
-            </a:r>
-            <a:r>
-              <a:rPr sz="1100" spc="180" dirty="0">
-                <a:solidFill>
-                  <a:srgbClr val="2D83C3"/>
-                </a:solidFill>
-                <a:latin typeface="Trebuchet MS"/>
-                <a:cs typeface="Trebuchet MS"/>
-              </a:rPr>
-              <a:t>  </a:t>
-            </a:r>
-            <a:r>
-              <a:rPr sz="1100" b="1" dirty="0">
-                <a:solidFill>
-                  <a:srgbClr val="2D83C3"/>
-                </a:solidFill>
-                <a:latin typeface="Trebuchet MS"/>
-                <a:cs typeface="Trebuchet MS"/>
-              </a:rPr>
-              <a:t>Annual</a:t>
-            </a:r>
-            <a:r>
-              <a:rPr sz="1100" b="1" spc="-75" dirty="0">
-                <a:solidFill>
-                  <a:srgbClr val="2D83C3"/>
-                </a:solidFill>
-                <a:latin typeface="Trebuchet MS"/>
-                <a:cs typeface="Trebuchet MS"/>
-              </a:rPr>
-              <a:t> </a:t>
-            </a:r>
-            <a:r>
-              <a:rPr sz="1100" b="1" spc="-10" dirty="0">
-                <a:solidFill>
-                  <a:srgbClr val="2D83C3"/>
-                </a:solidFill>
-                <a:latin typeface="Trebuchet MS"/>
-                <a:cs typeface="Trebuchet MS"/>
-              </a:rPr>
-              <a:t>Review</a:t>
-            </a:r>
-            <a:endParaRPr sz="1100">
-              <a:latin typeface="Trebuchet MS"/>
-              <a:cs typeface="Trebuchet MS"/>
+              <a:rPr lang="en-US" dirty="0"/>
+              <a:t>     </a:t>
+            </a:r>
+            <a:r>
+              <a:rPr lang="en-US" dirty="0">
+                <a:latin typeface="Times New Roman" panose="02020603050405020304" pitchFamily="18" charset="0"/>
+                <a:cs typeface="Times New Roman" panose="02020603050405020304" pitchFamily="18" charset="0"/>
+              </a:rPr>
+              <a:t>The task involves developing a robust fake news detection system capable of accurately distinguishing between real and fake news articles. Given the proliferation of misinformation on social media and other online platforms, the goal is to create a solution that can automatically identify deceptive or misleading content, thereby helping to mitigate the spread of false information and preserve the integrity of online discourse.</a:t>
+            </a:r>
+            <a:endParaRPr lang="en-IN" dirty="0">
+              <a:latin typeface="Times New Roman" panose="02020603050405020304" pitchFamily="18" charset="0"/>
+              <a:cs typeface="Times New Roman" panose="02020603050405020304" pitchFamily="18" charset="0"/>
             </a:endParaRPr>
           </a:p>
         </p:txBody>
@@ -5679,69 +5460,111 @@
           </a:p>
         </p:txBody>
       </p:sp>
-      <p:sp>
-        <p:nvSpPr>
-          <p:cNvPr id="11" name="TextBox 10">
-            <a:extLst>
-              <a:ext uri="{FF2B5EF4-FFF2-40B4-BE49-F238E27FC236}">
-                <a16:creationId xmlns:a16="http://schemas.microsoft.com/office/drawing/2014/main" xmlns="" id="{7EF50314-7051-3B86-390F-43D2BC1F0CE4}"/>
-              </a:ext>
-            </a:extLst>
-          </p:cNvPr>
-          <p:cNvSpPr txBox="1"/>
+      <p:pic>
+        <p:nvPicPr>
+          <p:cNvPr id="8" name="object 8"/>
+          <p:cNvPicPr/>
           <p:nvPr/>
-        </p:nvSpPr>
+        </p:nvPicPr>
+        <p:blipFill>
+          <a:blip r:embed="rId3" cstate="print"/>
+          <a:stretch>
+            <a:fillRect/>
+          </a:stretch>
+        </p:blipFill>
         <p:spPr>
           <a:xfrm>
-            <a:off x="1438275" y="1524000"/>
-            <a:ext cx="7400925" cy="3586366"/>
+            <a:off x="676275" y="6467475"/>
+            <a:ext cx="2143125" cy="200025"/>
           </a:xfrm>
           <a:prstGeom prst="rect">
             <a:avLst/>
           </a:prstGeom>
-          <a:noFill/>
-        </p:spPr>
-        <p:txBody>
-          <a:bodyPr wrap="square" rtlCol="0">
+        </p:spPr>
+      </p:pic>
+      <p:sp>
+        <p:nvSpPr>
+          <p:cNvPr id="9" name="object 9"/>
+          <p:cNvSpPr txBox="1"/>
+          <p:nvPr/>
+        </p:nvSpPr>
+        <p:spPr>
+          <a:xfrm>
+            <a:off x="739775" y="6473337"/>
+            <a:ext cx="1798955" cy="191770"/>
+          </a:xfrm>
+          <a:prstGeom prst="rect">
+            <a:avLst/>
+          </a:prstGeom>
+        </p:spPr>
+        <p:txBody>
+          <a:bodyPr vert="horz" wrap="square" lIns="0" tIns="6985" rIns="0" bIns="0" rtlCol="0">
             <a:spAutoFit/>
           </a:bodyPr>
           <a:lstStyle/>
           <a:p>
-            <a:pPr marL="342900" indent="-342900" algn="just">
+            <a:pPr marL="12700">
               <a:lnSpc>
-                <a:spcPct val="150000"/>
+                <a:spcPct val="100000"/>
               </a:lnSpc>
-              <a:buFont typeface="Arial" panose="020B0604020202020204" pitchFamily="34" charset="0"/>
-              <a:buChar char="•"/>
+              <a:spcBef>
+                <a:spcPts val="55"/>
+              </a:spcBef>
             </a:pPr>
             <a:r>
-              <a:rPr lang="en-US" sz="2200" dirty="0">
-                <a:latin typeface="Times New Roman" panose="02020603050405020304" pitchFamily="18" charset="0"/>
-                <a:cs typeface="Times New Roman" panose="02020603050405020304" pitchFamily="18" charset="0"/>
-              </a:rPr>
-              <a:t>The project aims to develop an autoencoder-based approach for time-series forecasting, focusing on capturing temporal dependencies and patterns within the data to generate accurate predictions of future data points. </a:t>
-            </a:r>
-          </a:p>
-          <a:p>
-            <a:pPr marL="342900" indent="-342900" algn="just">
-              <a:lnSpc>
-                <a:spcPct val="150000"/>
-              </a:lnSpc>
-              <a:buFont typeface="Arial" panose="020B0604020202020204" pitchFamily="34" charset="0"/>
-              <a:buChar char="•"/>
-            </a:pPr>
-            <a:r>
-              <a:rPr lang="en-US" sz="2200" dirty="0">
-                <a:latin typeface="Times New Roman" panose="02020603050405020304" pitchFamily="18" charset="0"/>
-                <a:cs typeface="Times New Roman" panose="02020603050405020304" pitchFamily="18" charset="0"/>
-              </a:rPr>
-              <a:t>By leveraging the power of autoencoders, the goal is to address the challenge of forecasting in dynamic and evolving time-series datasets</a:t>
-            </a:r>
-            <a:r>
-              <a:rPr lang="en-US" dirty="0"/>
-              <a:t>.</a:t>
-            </a:r>
-            <a:endParaRPr lang="en-IN" dirty="0"/>
+              <a:rPr sz="1100" dirty="0">
+                <a:solidFill>
+                  <a:srgbClr val="2D83C3"/>
+                </a:solidFill>
+                <a:latin typeface="Trebuchet MS"/>
+                <a:cs typeface="Trebuchet MS"/>
+              </a:rPr>
+              <a:t>3/21/2024</a:t>
+            </a:r>
+            <a:r>
+              <a:rPr sz="1100" spc="180" dirty="0">
+                <a:solidFill>
+                  <a:srgbClr val="2D83C3"/>
+                </a:solidFill>
+                <a:latin typeface="Trebuchet MS"/>
+                <a:cs typeface="Trebuchet MS"/>
+              </a:rPr>
+              <a:t>  </a:t>
+            </a:r>
+            <a:r>
+              <a:rPr sz="1100" b="1" dirty="0">
+                <a:solidFill>
+                  <a:srgbClr val="2D83C3"/>
+                </a:solidFill>
+                <a:latin typeface="Trebuchet MS"/>
+                <a:cs typeface="Trebuchet MS"/>
+              </a:rPr>
+              <a:t>Annual</a:t>
+            </a:r>
+            <a:r>
+              <a:rPr sz="1100" b="1" spc="-75" dirty="0">
+                <a:solidFill>
+                  <a:srgbClr val="2D83C3"/>
+                </a:solidFill>
+                <a:latin typeface="Trebuchet MS"/>
+                <a:cs typeface="Trebuchet MS"/>
+              </a:rPr>
+              <a:t> </a:t>
+            </a:r>
+            <a:r>
+              <a:rPr sz="1100" b="1" spc="-10" dirty="0">
+                <a:solidFill>
+                  <a:srgbClr val="2D83C3"/>
+                </a:solidFill>
+                <a:latin typeface="Trebuchet MS"/>
+                <a:cs typeface="Trebuchet MS"/>
+              </a:rPr>
+              <a:t>Review</a:t>
+            </a:r>
+            <a:endParaRPr sz="1100">
+              <a:latin typeface="Trebuchet MS"/>
+              <a:cs typeface="Trebuchet MS"/>
+            </a:endParaRPr>
           </a:p>
         </p:txBody>
       </p:sp>
@@ -5919,8 +5742,8 @@
         </p:nvSpPr>
         <p:spPr>
           <a:xfrm>
-            <a:off x="739775" y="829627"/>
-            <a:ext cx="5264785" cy="678180"/>
+            <a:off x="533400" y="514033"/>
+            <a:ext cx="9764395" cy="1122362"/>
           </a:xfrm>
           <a:prstGeom prst="rect">
             <a:avLst/>
@@ -5959,111 +5782,83 @@
           </a:p>
         </p:txBody>
       </p:sp>
-      <p:pic>
-        <p:nvPicPr>
-          <p:cNvPr id="8" name="object 8"/>
-          <p:cNvPicPr/>
-          <p:nvPr/>
-        </p:nvPicPr>
-        <p:blipFill>
-          <a:blip r:embed="rId3" cstate="print"/>
-          <a:stretch>
-            <a:fillRect/>
-          </a:stretch>
-        </p:blipFill>
+      <p:sp>
+        <p:nvSpPr>
+          <p:cNvPr id="11" name="Text Placeholder 10">
+            <a:extLst>
+              <a:ext uri="{FF2B5EF4-FFF2-40B4-BE49-F238E27FC236}">
+                <a16:creationId xmlns:a16="http://schemas.microsoft.com/office/drawing/2014/main" id="{C732C425-BA55-C506-AAE2-3C3186B70AF7}"/>
+              </a:ext>
+            </a:extLst>
+          </p:cNvPr>
+          <p:cNvSpPr>
+            <a:spLocks noGrp="1"/>
+          </p:cNvSpPr>
+          <p:nvPr>
+            <p:ph type="body" idx="1"/>
+          </p:nvPr>
+        </p:nvSpPr>
         <p:spPr>
           <a:xfrm>
-            <a:off x="676275" y="6467475"/>
-            <a:ext cx="2143125" cy="200025"/>
+            <a:off x="644129" y="1293728"/>
+            <a:ext cx="8458200" cy="4526047"/>
           </a:xfrm>
-          <a:prstGeom prst="rect">
-            <a:avLst/>
-          </a:prstGeom>
-        </p:spPr>
-      </p:pic>
-      <p:sp>
-        <p:nvSpPr>
-          <p:cNvPr id="9" name="object 9"/>
-          <p:cNvSpPr txBox="1"/>
-          <p:nvPr/>
-        </p:nvSpPr>
-        <p:spPr>
-          <a:xfrm>
-            <a:off x="739775" y="6473337"/>
-            <a:ext cx="1798955" cy="191770"/>
-          </a:xfrm>
-          <a:prstGeom prst="rect">
-            <a:avLst/>
-          </a:prstGeom>
-        </p:spPr>
-        <p:txBody>
-          <a:bodyPr vert="horz" wrap="square" lIns="0" tIns="6985" rIns="0" bIns="0" rtlCol="0">
-            <a:spAutoFit/>
-          </a:bodyPr>
+        </p:spPr>
+        <p:txBody>
+          <a:bodyPr/>
           <a:lstStyle/>
           <a:p>
-            <a:pPr marL="12700">
+            <a:pPr marL="285750" indent="-285750" algn="just">
               <a:lnSpc>
-                <a:spcPct val="100000"/>
+                <a:spcPct val="150000"/>
               </a:lnSpc>
-              <a:spcBef>
-                <a:spcPts val="55"/>
-              </a:spcBef>
+              <a:buFont typeface="Wingdings" panose="05000000000000000000" pitchFamily="2" charset="2"/>
+              <a:buChar char="§"/>
             </a:pPr>
             <a:r>
-              <a:rPr sz="1100" dirty="0">
-                <a:solidFill>
-                  <a:srgbClr val="2D83C3"/>
-                </a:solidFill>
-                <a:latin typeface="Trebuchet MS"/>
-                <a:cs typeface="Trebuchet MS"/>
-              </a:rPr>
-              <a:t>3/21/2024</a:t>
-            </a:r>
-            <a:r>
-              <a:rPr sz="1100" spc="180" dirty="0">
-                <a:solidFill>
-                  <a:srgbClr val="2D83C3"/>
-                </a:solidFill>
-                <a:latin typeface="Trebuchet MS"/>
-                <a:cs typeface="Trebuchet MS"/>
-              </a:rPr>
-              <a:t>  </a:t>
-            </a:r>
-            <a:r>
-              <a:rPr sz="1100" b="1" dirty="0">
-                <a:solidFill>
-                  <a:srgbClr val="2D83C3"/>
-                </a:solidFill>
-                <a:latin typeface="Trebuchet MS"/>
-                <a:cs typeface="Trebuchet MS"/>
-              </a:rPr>
-              <a:t>Annual</a:t>
-            </a:r>
-            <a:r>
-              <a:rPr sz="1100" b="1" spc="-75" dirty="0">
-                <a:solidFill>
-                  <a:srgbClr val="2D83C3"/>
-                </a:solidFill>
-                <a:latin typeface="Trebuchet MS"/>
-                <a:cs typeface="Trebuchet MS"/>
-              </a:rPr>
-              <a:t> </a:t>
-            </a:r>
-            <a:r>
-              <a:rPr sz="1100" b="1" spc="-10" dirty="0">
-                <a:solidFill>
-                  <a:srgbClr val="2D83C3"/>
-                </a:solidFill>
-                <a:latin typeface="Trebuchet MS"/>
-                <a:cs typeface="Trebuchet MS"/>
-              </a:rPr>
-              <a:t>Review</a:t>
-            </a:r>
-            <a:endParaRPr sz="1100">
-              <a:latin typeface="Trebuchet MS"/>
-              <a:cs typeface="Trebuchet MS"/>
-            </a:endParaRPr>
+              <a:rPr lang="en-US" dirty="0">
+                <a:latin typeface="Times New Roman" panose="02020603050405020304" pitchFamily="18" charset="0"/>
+                <a:cs typeface="Times New Roman" panose="02020603050405020304" pitchFamily="18" charset="0"/>
+              </a:rPr>
+              <a:t>    Generative Adversarial Networks (GANs) and autoencoders have distinct roles in machine learning. GANs generate new data resembling a given dataset by training a generator and discriminator simultaneously. </a:t>
+            </a:r>
+          </a:p>
+          <a:p>
+            <a:pPr marL="285750" indent="-285750" algn="just">
+              <a:lnSpc>
+                <a:spcPct val="150000"/>
+              </a:lnSpc>
+              <a:buFont typeface="Wingdings" panose="05000000000000000000" pitchFamily="2" charset="2"/>
+              <a:buChar char="§"/>
+            </a:pPr>
+            <a:r>
+              <a:rPr lang="en-US" dirty="0">
+                <a:latin typeface="Times New Roman" panose="02020603050405020304" pitchFamily="18" charset="0"/>
+                <a:cs typeface="Times New Roman" panose="02020603050405020304" pitchFamily="18" charset="0"/>
+              </a:rPr>
+              <a:t>    Autoencoders compress input data into a lower-dimensional representation and reconstruct it. While GANs and autoencoders have applications in data generation and dimensionality reduction, they aren't commonly used directly for fake news detection. Fake news detection systems primarily employ NLP techniques like text classification and sentiment analysis, often using supervised learning with algorithms like SVMs, random forests, or deep learning models like RNNs and CNNs. </a:t>
+            </a:r>
+          </a:p>
+          <a:p>
+            <a:pPr marL="285750" indent="-285750" algn="just">
+              <a:lnSpc>
+                <a:spcPct val="150000"/>
+              </a:lnSpc>
+              <a:buFont typeface="Wingdings" panose="05000000000000000000" pitchFamily="2" charset="2"/>
+              <a:buChar char="§"/>
+            </a:pPr>
+            <a:r>
+              <a:rPr lang="en-US" dirty="0">
+                <a:latin typeface="Times New Roman" panose="02020603050405020304" pitchFamily="18" charset="0"/>
+                <a:cs typeface="Times New Roman" panose="02020603050405020304" pitchFamily="18" charset="0"/>
+              </a:rPr>
+              <a:t>    Thus, while GANs and autoencoders play roles in data processing, they aren't the primary methods for fake news detection</a:t>
+            </a:r>
+            <a:r>
+              <a:rPr lang="en-US" dirty="0"/>
+              <a:t>.</a:t>
+            </a:r>
+            <a:endParaRPr lang="en-IN" dirty="0"/>
           </a:p>
         </p:txBody>
       </p:sp>
@@ -6104,67 +5899,110 @@
           </a:p>
         </p:txBody>
       </p:sp>
-      <p:sp>
-        <p:nvSpPr>
-          <p:cNvPr id="11" name="TextBox 10">
-            <a:extLst>
-              <a:ext uri="{FF2B5EF4-FFF2-40B4-BE49-F238E27FC236}">
-                <a16:creationId xmlns:a16="http://schemas.microsoft.com/office/drawing/2014/main" xmlns="" id="{32693CDD-9D64-B429-5554-B9FA6B5184B5}"/>
-              </a:ext>
-            </a:extLst>
-          </p:cNvPr>
-          <p:cNvSpPr txBox="1"/>
+      <p:pic>
+        <p:nvPicPr>
+          <p:cNvPr id="8" name="object 8"/>
+          <p:cNvPicPr/>
           <p:nvPr/>
-        </p:nvSpPr>
+        </p:nvPicPr>
+        <p:blipFill>
+          <a:blip r:embed="rId3" cstate="print"/>
+          <a:stretch>
+            <a:fillRect/>
+          </a:stretch>
+        </p:blipFill>
         <p:spPr>
           <a:xfrm>
-            <a:off x="1371600" y="1806931"/>
-            <a:ext cx="7605713" cy="3078535"/>
+            <a:off x="676275" y="6467475"/>
+            <a:ext cx="2143125" cy="200025"/>
           </a:xfrm>
           <a:prstGeom prst="rect">
             <a:avLst/>
           </a:prstGeom>
-          <a:noFill/>
-        </p:spPr>
-        <p:txBody>
-          <a:bodyPr wrap="square" rtlCol="0">
+        </p:spPr>
+      </p:pic>
+      <p:sp>
+        <p:nvSpPr>
+          <p:cNvPr id="9" name="object 9"/>
+          <p:cNvSpPr txBox="1"/>
+          <p:nvPr/>
+        </p:nvSpPr>
+        <p:spPr>
+          <a:xfrm>
+            <a:off x="739775" y="6473337"/>
+            <a:ext cx="1798955" cy="191770"/>
+          </a:xfrm>
+          <a:prstGeom prst="rect">
+            <a:avLst/>
+          </a:prstGeom>
+        </p:spPr>
+        <p:txBody>
+          <a:bodyPr vert="horz" wrap="square" lIns="0" tIns="6985" rIns="0" bIns="0" rtlCol="0">
             <a:spAutoFit/>
           </a:bodyPr>
           <a:lstStyle/>
           <a:p>
-            <a:pPr marL="342900" indent="-342900" algn="just">
+            <a:pPr marL="12700">
               <a:lnSpc>
-                <a:spcPct val="150000"/>
+                <a:spcPct val="100000"/>
               </a:lnSpc>
-              <a:buFont typeface="Arial" panose="020B0604020202020204" pitchFamily="34" charset="0"/>
-              <a:buChar char="•"/>
+              <a:spcBef>
+                <a:spcPts val="55"/>
+              </a:spcBef>
             </a:pPr>
             <a:r>
-              <a:rPr lang="en-US" sz="2200" dirty="0">
-                <a:latin typeface="Times New Roman" panose="02020603050405020304" pitchFamily="18" charset="0"/>
-                <a:cs typeface="Times New Roman" panose="02020603050405020304" pitchFamily="18" charset="0"/>
-              </a:rPr>
-              <a:t>This project explores the application of autoencoders in time-series forecasting, aiming to develop a model capable of capturing intricate temporal patterns within sequential data. </a:t>
-            </a:r>
-          </a:p>
-          <a:p>
-            <a:pPr marL="342900" indent="-342900" algn="just">
-              <a:lnSpc>
-                <a:spcPct val="150000"/>
-              </a:lnSpc>
-              <a:buFont typeface="Arial" panose="020B0604020202020204" pitchFamily="34" charset="0"/>
-              <a:buChar char="•"/>
-            </a:pPr>
-            <a:r>
-              <a:rPr lang="en-US" sz="2200" dirty="0">
-                <a:latin typeface="Times New Roman" panose="02020603050405020304" pitchFamily="18" charset="0"/>
-                <a:cs typeface="Times New Roman" panose="02020603050405020304" pitchFamily="18" charset="0"/>
-              </a:rPr>
-              <a:t>By encoding and decoding time-series data, the autoencoder facilitates accurate predictions of future values, offering insights into future trends and behavior.</a:t>
-            </a:r>
-            <a:endParaRPr lang="en-IN" sz="2200" dirty="0">
-              <a:latin typeface="Times New Roman" panose="02020603050405020304" pitchFamily="18" charset="0"/>
-              <a:cs typeface="Times New Roman" panose="02020603050405020304" pitchFamily="18" charset="0"/>
+              <a:rPr sz="1100" dirty="0">
+                <a:solidFill>
+                  <a:srgbClr val="2D83C3"/>
+                </a:solidFill>
+                <a:latin typeface="Trebuchet MS"/>
+                <a:cs typeface="Trebuchet MS"/>
+              </a:rPr>
+              <a:t>3/21/2024</a:t>
+            </a:r>
+            <a:r>
+              <a:rPr sz="1100" spc="180" dirty="0">
+                <a:solidFill>
+                  <a:srgbClr val="2D83C3"/>
+                </a:solidFill>
+                <a:latin typeface="Trebuchet MS"/>
+                <a:cs typeface="Trebuchet MS"/>
+              </a:rPr>
+              <a:t>  </a:t>
+            </a:r>
+            <a:r>
+              <a:rPr sz="1100" b="1" dirty="0">
+                <a:solidFill>
+                  <a:srgbClr val="2D83C3"/>
+                </a:solidFill>
+                <a:latin typeface="Trebuchet MS"/>
+                <a:cs typeface="Trebuchet MS"/>
+              </a:rPr>
+              <a:t>Annual</a:t>
+            </a:r>
+            <a:r>
+              <a:rPr sz="1100" b="1" spc="-75" dirty="0">
+                <a:solidFill>
+                  <a:srgbClr val="2D83C3"/>
+                </a:solidFill>
+                <a:latin typeface="Trebuchet MS"/>
+                <a:cs typeface="Trebuchet MS"/>
+              </a:rPr>
+              <a:t> </a:t>
+            </a:r>
+            <a:r>
+              <a:rPr sz="1100" b="1" spc="-10" dirty="0">
+                <a:solidFill>
+                  <a:srgbClr val="2D83C3"/>
+                </a:solidFill>
+                <a:latin typeface="Trebuchet MS"/>
+                <a:cs typeface="Trebuchet MS"/>
+              </a:rPr>
+              <a:t>Review</a:t>
+            </a:r>
+            <a:endParaRPr sz="1100">
+              <a:latin typeface="Trebuchet MS"/>
+              <a:cs typeface="Trebuchet MS"/>
             </a:endParaRPr>
           </a:p>
         </p:txBody>
@@ -6363,110 +6201,124 @@
           </a:p>
         </p:txBody>
       </p:sp>
-      <p:pic>
-        <p:nvPicPr>
-          <p:cNvPr id="6" name="object 6"/>
-          <p:cNvPicPr/>
-          <p:nvPr/>
-        </p:nvPicPr>
-        <p:blipFill>
-          <a:blip r:embed="rId2" cstate="print"/>
-          <a:stretch>
-            <a:fillRect/>
-          </a:stretch>
-        </p:blipFill>
+      <p:sp>
+        <p:nvSpPr>
+          <p:cNvPr id="9" name="Text Placeholder 8">
+            <a:extLst>
+              <a:ext uri="{FF2B5EF4-FFF2-40B4-BE49-F238E27FC236}">
+                <a16:creationId xmlns:a16="http://schemas.microsoft.com/office/drawing/2014/main" id="{67E19808-5642-C7C4-28A1-437AB473E516}"/>
+              </a:ext>
+            </a:extLst>
+          </p:cNvPr>
+          <p:cNvSpPr>
+            <a:spLocks noGrp="1"/>
+          </p:cNvSpPr>
+          <p:nvPr>
+            <p:ph type="body" idx="1"/>
+          </p:nvPr>
+        </p:nvSpPr>
         <p:spPr>
           <a:xfrm>
-            <a:off x="723900" y="6172200"/>
-            <a:ext cx="2181225" cy="485775"/>
+            <a:off x="609600" y="1577340"/>
+            <a:ext cx="10972800" cy="3523400"/>
           </a:xfrm>
-          <a:prstGeom prst="rect">
-            <a:avLst/>
-          </a:prstGeom>
-        </p:spPr>
-      </p:pic>
-      <p:sp>
-        <p:nvSpPr>
-          <p:cNvPr id="7" name="object 7"/>
-          <p:cNvSpPr txBox="1"/>
-          <p:nvPr/>
-        </p:nvSpPr>
-        <p:spPr>
-          <a:xfrm>
-            <a:off x="739775" y="6473337"/>
-            <a:ext cx="1798955" cy="191770"/>
-          </a:xfrm>
-          <a:prstGeom prst="rect">
-            <a:avLst/>
-          </a:prstGeom>
-        </p:spPr>
-        <p:txBody>
-          <a:bodyPr vert="horz" wrap="square" lIns="0" tIns="6985" rIns="0" bIns="0" rtlCol="0">
-            <a:spAutoFit/>
-          </a:bodyPr>
+        </p:spPr>
+        <p:txBody>
+          <a:bodyPr/>
           <a:lstStyle/>
           <a:p>
-            <a:pPr marL="12700">
+            <a:endParaRPr lang="en-US" dirty="0"/>
+          </a:p>
+          <a:p>
+            <a:pPr lvl="2">
               <a:lnSpc>
-                <a:spcPct val="100000"/>
+                <a:spcPct val="200000"/>
               </a:lnSpc>
-              <a:spcBef>
-                <a:spcPts val="55"/>
-              </a:spcBef>
             </a:pPr>
             <a:r>
-              <a:rPr sz="1100" dirty="0">
-                <a:solidFill>
-                  <a:srgbClr val="2D83C3"/>
-                </a:solidFill>
-                <a:latin typeface="Trebuchet MS"/>
-                <a:cs typeface="Trebuchet MS"/>
-              </a:rPr>
-              <a:t>3/21/2024</a:t>
-            </a:r>
-            <a:r>
-              <a:rPr sz="1100" spc="180" dirty="0">
-                <a:solidFill>
-                  <a:srgbClr val="2D83C3"/>
-                </a:solidFill>
-                <a:latin typeface="Trebuchet MS"/>
-                <a:cs typeface="Trebuchet MS"/>
-              </a:rPr>
-              <a:t>  </a:t>
-            </a:r>
-            <a:r>
-              <a:rPr sz="1100" b="1" dirty="0">
-                <a:solidFill>
-                  <a:srgbClr val="2D83C3"/>
-                </a:solidFill>
-                <a:latin typeface="Trebuchet MS"/>
-                <a:cs typeface="Trebuchet MS"/>
-              </a:rPr>
-              <a:t>Annual</a:t>
-            </a:r>
-            <a:r>
-              <a:rPr sz="1100" b="1" spc="-75" dirty="0">
-                <a:solidFill>
-                  <a:srgbClr val="2D83C3"/>
-                </a:solidFill>
-                <a:latin typeface="Trebuchet MS"/>
-                <a:cs typeface="Trebuchet MS"/>
-              </a:rPr>
-              <a:t> </a:t>
-            </a:r>
-            <a:r>
-              <a:rPr sz="1100" b="1" spc="-10" dirty="0">
-                <a:solidFill>
-                  <a:srgbClr val="2D83C3"/>
-                </a:solidFill>
-                <a:latin typeface="Trebuchet MS"/>
-                <a:cs typeface="Trebuchet MS"/>
-              </a:rPr>
-              <a:t>Review</a:t>
-            </a:r>
-            <a:endParaRPr sz="1100">
-              <a:latin typeface="Trebuchet MS"/>
-              <a:cs typeface="Trebuchet MS"/>
+              <a:rPr lang="en-US" dirty="0"/>
+              <a:t>1</a:t>
+            </a:r>
+            <a:r>
+              <a:rPr lang="en-US" dirty="0">
+                <a:latin typeface="Times New Roman" panose="02020603050405020304" pitchFamily="18" charset="0"/>
+                <a:cs typeface="Times New Roman" panose="02020603050405020304" pitchFamily="18" charset="0"/>
+              </a:rPr>
+              <a:t>. Social Media Platforms</a:t>
+            </a:r>
+          </a:p>
+          <a:p>
+            <a:pPr lvl="2">
+              <a:lnSpc>
+                <a:spcPct val="200000"/>
+              </a:lnSpc>
+            </a:pPr>
+            <a:r>
+              <a:rPr lang="en-US" dirty="0">
+                <a:latin typeface="Times New Roman" panose="02020603050405020304" pitchFamily="18" charset="0"/>
+                <a:cs typeface="Times New Roman" panose="02020603050405020304" pitchFamily="18" charset="0"/>
+              </a:rPr>
+              <a:t>2. News Organizations</a:t>
+            </a:r>
+          </a:p>
+          <a:p>
+            <a:pPr lvl="2">
+              <a:lnSpc>
+                <a:spcPct val="200000"/>
+              </a:lnSpc>
+            </a:pPr>
+            <a:r>
+              <a:rPr lang="en-US" dirty="0">
+                <a:latin typeface="Times New Roman" panose="02020603050405020304" pitchFamily="18" charset="0"/>
+                <a:cs typeface="Times New Roman" panose="02020603050405020304" pitchFamily="18" charset="0"/>
+              </a:rPr>
+              <a:t>3. Government Agencies</a:t>
+            </a:r>
+          </a:p>
+          <a:p>
+            <a:pPr lvl="2">
+              <a:lnSpc>
+                <a:spcPct val="200000"/>
+              </a:lnSpc>
+            </a:pPr>
+            <a:r>
+              <a:rPr lang="en-US" dirty="0">
+                <a:latin typeface="Times New Roman" panose="02020603050405020304" pitchFamily="18" charset="0"/>
+                <a:cs typeface="Times New Roman" panose="02020603050405020304" pitchFamily="18" charset="0"/>
+              </a:rPr>
+              <a:t>4. Educational Institutions</a:t>
+            </a:r>
+          </a:p>
+          <a:p>
+            <a:pPr lvl="2">
+              <a:lnSpc>
+                <a:spcPct val="200000"/>
+              </a:lnSpc>
+            </a:pPr>
+            <a:r>
+              <a:rPr lang="en-US" dirty="0">
+                <a:latin typeface="Times New Roman" panose="02020603050405020304" pitchFamily="18" charset="0"/>
+                <a:cs typeface="Times New Roman" panose="02020603050405020304" pitchFamily="18" charset="0"/>
+              </a:rPr>
+              <a:t>5. Fact-Checking Organizations</a:t>
+            </a:r>
+          </a:p>
+          <a:p>
+            <a:pPr lvl="2">
+              <a:lnSpc>
+                <a:spcPct val="200000"/>
+              </a:lnSpc>
+            </a:pPr>
+            <a:r>
+              <a:rPr lang="en-US" dirty="0">
+                <a:latin typeface="Times New Roman" panose="02020603050405020304" pitchFamily="18" charset="0"/>
+                <a:cs typeface="Times New Roman" panose="02020603050405020304" pitchFamily="18" charset="0"/>
+              </a:rPr>
+              <a:t>6. General Public</a:t>
+            </a:r>
+            <a:endParaRPr lang="en-IN" dirty="0">
+              <a:latin typeface="Times New Roman" panose="02020603050405020304" pitchFamily="18" charset="0"/>
+              <a:cs typeface="Times New Roman" panose="02020603050405020304" pitchFamily="18" charset="0"/>
             </a:endParaRPr>
           </a:p>
         </p:txBody>
@@ -6508,67 +6360,110 @@
           </a:p>
         </p:txBody>
       </p:sp>
-      <p:sp>
-        <p:nvSpPr>
-          <p:cNvPr id="9" name="TextBox 8">
-            <a:extLst>
-              <a:ext uri="{FF2B5EF4-FFF2-40B4-BE49-F238E27FC236}">
-                <a16:creationId xmlns:a16="http://schemas.microsoft.com/office/drawing/2014/main" xmlns="" id="{6AF355F9-7872-4012-0C17-5E818B615CDC}"/>
-              </a:ext>
-            </a:extLst>
-          </p:cNvPr>
-          <p:cNvSpPr txBox="1"/>
+      <p:pic>
+        <p:nvPicPr>
+          <p:cNvPr id="6" name="object 6"/>
+          <p:cNvPicPr/>
           <p:nvPr/>
-        </p:nvSpPr>
+        </p:nvPicPr>
+        <p:blipFill>
+          <a:blip r:embed="rId2" cstate="print"/>
+          <a:stretch>
+            <a:fillRect/>
+          </a:stretch>
+        </p:blipFill>
         <p:spPr>
           <a:xfrm>
-            <a:off x="1371600" y="2019300"/>
-            <a:ext cx="7620000" cy="4094198"/>
+            <a:off x="723900" y="6172200"/>
+            <a:ext cx="2181225" cy="485775"/>
           </a:xfrm>
           <a:prstGeom prst="rect">
             <a:avLst/>
           </a:prstGeom>
-          <a:noFill/>
-        </p:spPr>
-        <p:txBody>
-          <a:bodyPr wrap="square" rtlCol="0">
+        </p:spPr>
+      </p:pic>
+      <p:sp>
+        <p:nvSpPr>
+          <p:cNvPr id="7" name="object 7"/>
+          <p:cNvSpPr txBox="1"/>
+          <p:nvPr/>
+        </p:nvSpPr>
+        <p:spPr>
+          <a:xfrm>
+            <a:off x="739775" y="6473337"/>
+            <a:ext cx="1798955" cy="191770"/>
+          </a:xfrm>
+          <a:prstGeom prst="rect">
+            <a:avLst/>
+          </a:prstGeom>
+        </p:spPr>
+        <p:txBody>
+          <a:bodyPr vert="horz" wrap="square" lIns="0" tIns="6985" rIns="0" bIns="0" rtlCol="0">
             <a:spAutoFit/>
           </a:bodyPr>
           <a:lstStyle/>
           <a:p>
-            <a:pPr marL="457200" indent="-457200" algn="just">
+            <a:pPr marL="12700">
               <a:lnSpc>
-                <a:spcPct val="150000"/>
+                <a:spcPct val="100000"/>
               </a:lnSpc>
-              <a:buFont typeface="+mj-lt"/>
-              <a:buAutoNum type="arabicPeriod"/>
+              <a:spcBef>
+                <a:spcPts val="55"/>
+              </a:spcBef>
             </a:pPr>
             <a:r>
-              <a:rPr lang="en-US" sz="2200" dirty="0">
-                <a:latin typeface="Times New Roman" panose="02020603050405020304" pitchFamily="18" charset="0"/>
-                <a:cs typeface="Times New Roman" panose="02020603050405020304" pitchFamily="18" charset="0"/>
-              </a:rPr>
-              <a:t>Financial Analysts: Utilize the autoencoder-based time-series forecasting model to predict stock prices, currency exchange rates, or other financial metrics, aiding in investment decision-making.</a:t>
-            </a:r>
-          </a:p>
-          <a:p>
-            <a:pPr marL="457200" indent="-457200" algn="just">
-              <a:lnSpc>
-                <a:spcPct val="150000"/>
-              </a:lnSpc>
-              <a:buFont typeface="+mj-lt"/>
-              <a:buAutoNum type="arabicPeriod"/>
-            </a:pPr>
-            <a:r>
-              <a:rPr lang="en-US" sz="2200" dirty="0">
-                <a:latin typeface="Times New Roman" panose="02020603050405020304" pitchFamily="18" charset="0"/>
-                <a:cs typeface="Times New Roman" panose="02020603050405020304" pitchFamily="18" charset="0"/>
-              </a:rPr>
-              <a:t>Energy Sector Professionals: Employ the model to forecast energy consumption patterns, optimize energy production, and plan resource allocation for improved efficiency and sustainability.</a:t>
-            </a:r>
-            <a:endParaRPr lang="en-IN" sz="2200" dirty="0">
-              <a:latin typeface="Times New Roman" panose="02020603050405020304" pitchFamily="18" charset="0"/>
-              <a:cs typeface="Times New Roman" panose="02020603050405020304" pitchFamily="18" charset="0"/>
+              <a:rPr sz="1100" dirty="0">
+                <a:solidFill>
+                  <a:srgbClr val="2D83C3"/>
+                </a:solidFill>
+                <a:latin typeface="Trebuchet MS"/>
+                <a:cs typeface="Trebuchet MS"/>
+              </a:rPr>
+              <a:t>3/21/2024</a:t>
+            </a:r>
+            <a:r>
+              <a:rPr sz="1100" spc="180" dirty="0">
+                <a:solidFill>
+                  <a:srgbClr val="2D83C3"/>
+                </a:solidFill>
+                <a:latin typeface="Trebuchet MS"/>
+                <a:cs typeface="Trebuchet MS"/>
+              </a:rPr>
+              <a:t>  </a:t>
+            </a:r>
+            <a:r>
+              <a:rPr sz="1100" b="1" dirty="0">
+                <a:solidFill>
+                  <a:srgbClr val="2D83C3"/>
+                </a:solidFill>
+                <a:latin typeface="Trebuchet MS"/>
+                <a:cs typeface="Trebuchet MS"/>
+              </a:rPr>
+              <a:t>Annual</a:t>
+            </a:r>
+            <a:r>
+              <a:rPr sz="1100" b="1" spc="-75" dirty="0">
+                <a:solidFill>
+                  <a:srgbClr val="2D83C3"/>
+                </a:solidFill>
+                <a:latin typeface="Trebuchet MS"/>
+                <a:cs typeface="Trebuchet MS"/>
+              </a:rPr>
+              <a:t> </a:t>
+            </a:r>
+            <a:r>
+              <a:rPr sz="1100" b="1" spc="-10" dirty="0">
+                <a:solidFill>
+                  <a:srgbClr val="2D83C3"/>
+                </a:solidFill>
+                <a:latin typeface="Trebuchet MS"/>
+                <a:cs typeface="Trebuchet MS"/>
+              </a:rPr>
+              <a:t>Review</a:t>
+            </a:r>
+            <a:endParaRPr sz="1100">
+              <a:latin typeface="Trebuchet MS"/>
+              <a:cs typeface="Trebuchet MS"/>
             </a:endParaRPr>
           </a:p>
         </p:txBody>
@@ -6612,114 +6507,14 @@
         </p:blipFill>
         <p:spPr>
           <a:xfrm>
-            <a:off x="0" y="2010208"/>
-            <a:ext cx="2177538" cy="2866592"/>
+            <a:off x="0" y="2144047"/>
+            <a:ext cx="1864660" cy="3248025"/>
           </a:xfrm>
           <a:prstGeom prst="rect">
             <a:avLst/>
           </a:prstGeom>
         </p:spPr>
       </p:pic>
-      <p:sp>
-        <p:nvSpPr>
-          <p:cNvPr id="3" name="object 3"/>
-          <p:cNvSpPr/>
-          <p:nvPr/>
-        </p:nvSpPr>
-        <p:spPr>
-          <a:xfrm>
-            <a:off x="9353550" y="5362575"/>
-            <a:ext cx="457200" cy="457200"/>
-          </a:xfrm>
-          <a:custGeom>
-            <a:avLst/>
-            <a:gdLst/>
-            <a:ahLst/>
-            <a:cxnLst/>
-            <a:rect l="l" t="t" r="r" b="b"/>
-            <a:pathLst>
-              <a:path w="457200" h="457200">
-                <a:moveTo>
-                  <a:pt x="457200" y="0"/>
-                </a:moveTo>
-                <a:lnTo>
-                  <a:pt x="0" y="0"/>
-                </a:lnTo>
-                <a:lnTo>
-                  <a:pt x="0" y="457200"/>
-                </a:lnTo>
-                <a:lnTo>
-                  <a:pt x="457200" y="457200"/>
-                </a:lnTo>
-                <a:lnTo>
-                  <a:pt x="457200" y="0"/>
-                </a:lnTo>
-                <a:close/>
-              </a:path>
-            </a:pathLst>
-          </a:custGeom>
-          <a:solidFill>
-            <a:srgbClr val="42AF51"/>
-          </a:solidFill>
-        </p:spPr>
-        <p:txBody>
-          <a:bodyPr wrap="square" lIns="0" tIns="0" rIns="0" bIns="0" rtlCol="0"/>
-          <a:lstStyle/>
-          <a:p>
-            <a:endParaRPr/>
-          </a:p>
-        </p:txBody>
-      </p:sp>
-      <p:sp>
-        <p:nvSpPr>
-          <p:cNvPr id="5" name="object 5"/>
-          <p:cNvSpPr/>
-          <p:nvPr/>
-        </p:nvSpPr>
-        <p:spPr>
-          <a:xfrm>
-            <a:off x="9353550" y="5895975"/>
-            <a:ext cx="180975" cy="180975"/>
-          </a:xfrm>
-          <a:custGeom>
-            <a:avLst/>
-            <a:gdLst/>
-            <a:ahLst/>
-            <a:cxnLst/>
-            <a:rect l="l" t="t" r="r" b="b"/>
-            <a:pathLst>
-              <a:path w="180975" h="180975">
-                <a:moveTo>
-                  <a:pt x="180975" y="0"/>
-                </a:moveTo>
-                <a:lnTo>
-                  <a:pt x="0" y="0"/>
-                </a:lnTo>
-                <a:lnTo>
-                  <a:pt x="0" y="180975"/>
-                </a:lnTo>
-                <a:lnTo>
-                  <a:pt x="180975" y="180975"/>
-                </a:lnTo>
-                <a:lnTo>
-                  <a:pt x="180975" y="0"/>
-                </a:lnTo>
-                <a:close/>
-              </a:path>
-            </a:pathLst>
-          </a:custGeom>
-          <a:solidFill>
-            <a:srgbClr val="2D936B"/>
-          </a:solidFill>
-        </p:spPr>
-        <p:txBody>
-          <a:bodyPr wrap="square" lIns="0" tIns="0" rIns="0" bIns="0" rtlCol="0"/>
-          <a:lstStyle/>
-          <a:p>
-            <a:endParaRPr/>
-          </a:p>
-        </p:txBody>
-      </p:sp>
       <p:sp>
         <p:nvSpPr>
           <p:cNvPr id="6" name="object 6"/>
@@ -6732,8 +6527,8 @@
         </p:nvSpPr>
         <p:spPr>
           <a:xfrm>
-            <a:off x="76200" y="-206317"/>
-            <a:ext cx="10017760" cy="1598515"/>
+            <a:off x="457200" y="-6292"/>
+            <a:ext cx="9764395" cy="1044517"/>
           </a:xfrm>
           <a:prstGeom prst="rect">
             <a:avLst/>
@@ -6745,7 +6540,7 @@
           </a:bodyPr>
           <a:lstStyle/>
           <a:p>
-            <a:pPr marL="12700" algn="ctr">
+            <a:pPr marL="12700">
               <a:lnSpc>
                 <a:spcPct val="100000"/>
               </a:lnSpc>
@@ -6754,10 +6549,6 @@
               </a:spcBef>
             </a:pPr>
             <a:r>
-              <a:rPr sz="3600" dirty="0"/>
-              <a:t>YOUR</a:t>
-            </a:r>
-            <a:r>
               <a:rPr sz="3600" spc="-95" dirty="0"/>
               <a:t> </a:t>
             </a:r>
@@ -6766,39 +6557,8 @@
               <a:t>SOLUTION</a:t>
             </a:r>
             <a:r>
-              <a:rPr sz="3600" spc="-345" dirty="0"/>
-              <a:t> </a:t>
-            </a:r>
-            <a:r>
-              <a:rPr sz="3600" dirty="0"/>
-              <a:t>AND</a:t>
-            </a:r>
-            <a:r>
-              <a:rPr sz="3600" spc="-20" dirty="0"/>
-              <a:t> </a:t>
-            </a:r>
-            <a:r>
-              <a:rPr sz="3600" dirty="0"/>
-              <a:t>ITS </a:t>
-            </a:r>
-            <a:r>
-              <a:rPr sz="3600" spc="-20" dirty="0"/>
-              <a:t>VALUE</a:t>
-            </a:r>
-            <a:r>
-              <a:rPr sz="3600" spc="-120" dirty="0"/>
-              <a:t> </a:t>
-            </a:r>
-            <a:r>
-              <a:rPr lang="en-IN" sz="3600" spc="-120" dirty="0"/>
-              <a:t/>
-            </a:r>
-            <a:br>
-              <a:rPr lang="en-IN" sz="3600" spc="-120" dirty="0"/>
-            </a:br>
-            <a:r>
-              <a:rPr sz="3600" spc="-10" dirty="0"/>
-              <a:t>PROPOSITION</a:t>
+              <a:rPr lang="en-IN" sz="3600" spc="-10" dirty="0"/>
+              <a:t> AND PROPOSITION</a:t>
             </a:r>
             <a:endParaRPr sz="3600" dirty="0"/>
           </a:p>
@@ -6951,10 +6711,10 @@
       </p:sp>
       <p:sp>
         <p:nvSpPr>
-          <p:cNvPr id="10" name="TextBox 9">
+          <p:cNvPr id="11" name="TextBox 10">
             <a:extLst>
               <a:ext uri="{FF2B5EF4-FFF2-40B4-BE49-F238E27FC236}">
-                <a16:creationId xmlns:a16="http://schemas.microsoft.com/office/drawing/2014/main" xmlns="" id="{89DCC7E9-26B2-8AF2-E6D2-0346E86D767E}"/>
+                <a16:creationId xmlns:a16="http://schemas.microsoft.com/office/drawing/2014/main" id="{568639E2-705A-B1D2-5636-53CE18CC116B}"/>
               </a:ext>
             </a:extLst>
           </p:cNvPr>
@@ -6963,8 +6723,8 @@
         </p:nvSpPr>
         <p:spPr>
           <a:xfrm>
-            <a:off x="2333625" y="1444380"/>
-            <a:ext cx="7248525" cy="4431983"/>
+            <a:off x="1874492" y="914400"/>
+            <a:ext cx="9016065" cy="5478423"/>
           </a:xfrm>
           <a:prstGeom prst="rect">
             <a:avLst/>
@@ -6972,26 +6732,95 @@
           <a:noFill/>
         </p:spPr>
         <p:txBody>
-          <a:bodyPr wrap="square" rtlCol="0">
+          <a:bodyPr wrap="square">
             <a:spAutoFit/>
           </a:bodyPr>
           <a:lstStyle/>
           <a:p>
-            <a:pPr algn="just">
-              <a:lnSpc>
-                <a:spcPct val="150000"/>
-              </a:lnSpc>
+            <a:pPr algn="just"/>
+            <a:endParaRPr lang="en-IN" sz="1400" dirty="0"/>
+          </a:p>
+          <a:p>
+            <a:pPr algn="just"/>
+            <a:endParaRPr lang="en-IN" sz="1400" dirty="0"/>
+          </a:p>
+          <a:p>
+            <a:pPr marL="285750" indent="-285750" algn="just">
+              <a:buFont typeface="Wingdings" panose="05000000000000000000" pitchFamily="2" charset="2"/>
+              <a:buChar char="§"/>
             </a:pPr>
             <a:r>
-              <a:rPr lang="en-US" sz="2200" dirty="0">
-                <a:latin typeface="Times New Roman" panose="02020603050405020304" pitchFamily="18" charset="0"/>
-                <a:cs typeface="Times New Roman" panose="02020603050405020304" pitchFamily="18" charset="0"/>
-              </a:rPr>
-              <a:t>The project involves generating synthetic time-series data, creating and training an autoencoder model, and evaluating its performance. The value proposition lies in the ability of the autoencoder to capture temporal patterns within the data and generate accurate predictions of future values. This solution offers insights into future trends and behavior, facilitating informed decision-making in various domains such as finance, energy, and healthcare.</a:t>
-            </a:r>
-          </a:p>
-          <a:p>
-            <a:endParaRPr lang="en-IN" dirty="0"/>
+              <a:rPr lang="en-IN" sz="1400" dirty="0"/>
+              <a:t>  Autoencoders for Feature Extraction: Autoencoders are utilized to extract meaningful features from the textual content of news articles. By encoding the input data into a lower-dimensional representation, autoencoders capture the underlying patterns and semantics that distinguish between genuine and fake news.</a:t>
+            </a:r>
+          </a:p>
+          <a:p>
+            <a:pPr marL="285750" indent="-285750" algn="just">
+              <a:buFont typeface="Wingdings" panose="05000000000000000000" pitchFamily="2" charset="2"/>
+              <a:buChar char="§"/>
+            </a:pPr>
+            <a:endParaRPr lang="en-IN" sz="1400" dirty="0"/>
+          </a:p>
+          <a:p>
+            <a:pPr marL="285750" indent="-285750" algn="just">
+              <a:buFont typeface="Wingdings" panose="05000000000000000000" pitchFamily="2" charset="2"/>
+              <a:buChar char="§"/>
+            </a:pPr>
+            <a:r>
+              <a:rPr lang="en-IN" sz="1400" dirty="0"/>
+              <a:t> Generative Adversarial Networks for Data Augmentation: GANs are employed to generate synthetic examples of both real and fake news articles. This process helps in augmenting the dataset, enabling the model to learn a more comprehensive set of features and improve its robustness to different types of fake news.</a:t>
+            </a:r>
+          </a:p>
+          <a:p>
+            <a:pPr marL="285750" indent="-285750" algn="just">
+              <a:buFont typeface="Wingdings" panose="05000000000000000000" pitchFamily="2" charset="2"/>
+              <a:buChar char="§"/>
+            </a:pPr>
+            <a:endParaRPr lang="en-IN" sz="1400" dirty="0"/>
+          </a:p>
+          <a:p>
+            <a:pPr marL="285750" indent="-285750" algn="just">
+              <a:buFont typeface="Wingdings" panose="05000000000000000000" pitchFamily="2" charset="2"/>
+              <a:buChar char="§"/>
+            </a:pPr>
+            <a:r>
+              <a:rPr lang="en-IN" sz="1400" dirty="0"/>
+              <a:t> Model Integration and Training: The extracted features from autoencoders and synthetic data from GANs are combined to train a classification model. This model learns to distinguish between real and fake news articles based on the learned representations. The training process involves optimizing the model parameters to minimize classification errors and improve overall accuracy.</a:t>
+            </a:r>
+          </a:p>
+          <a:p>
+            <a:pPr marL="285750" indent="-285750" algn="just">
+              <a:buFont typeface="Wingdings" panose="05000000000000000000" pitchFamily="2" charset="2"/>
+              <a:buChar char="§"/>
+            </a:pPr>
+            <a:endParaRPr lang="en-IN" sz="1400" dirty="0"/>
+          </a:p>
+          <a:p>
+            <a:pPr marL="285750" indent="-285750" algn="just">
+              <a:buFont typeface="Wingdings" panose="05000000000000000000" pitchFamily="2" charset="2"/>
+              <a:buChar char="§"/>
+            </a:pPr>
+            <a:r>
+              <a:rPr lang="en-IN" sz="1400" dirty="0"/>
+              <a:t> Evaluation and Validation: The performance of the fake news detection system is evaluated using standard metrics such as accuracy, precision, recall, and F1-score. The system is validated using a separate test dataset to assess its generalization ability and effectiveness in real-world scenarios.</a:t>
+            </a:r>
+          </a:p>
+          <a:p>
+            <a:pPr marL="285750" indent="-285750" algn="just">
+              <a:buFont typeface="Wingdings" panose="05000000000000000000" pitchFamily="2" charset="2"/>
+              <a:buChar char="§"/>
+            </a:pPr>
+            <a:endParaRPr lang="en-IN" sz="1400" dirty="0"/>
+          </a:p>
+          <a:p>
+            <a:pPr marL="285750" indent="-285750" algn="just">
+              <a:buFont typeface="Wingdings" panose="05000000000000000000" pitchFamily="2" charset="2"/>
+              <a:buChar char="§"/>
+            </a:pPr>
+            <a:r>
+              <a:rPr lang="en-IN" sz="1400" dirty="0"/>
+              <a:t> Deployment and Application: Once trained and validated, the fake news detection system can be deployed in various contexts such as social media platforms, news websites, and online forums. It serves as a valuable tool for identifying and combating misinformation, thereby promoting informed decision-making and safeguarding the integrity of information dissemination channels.</a:t>
+            </a:r>
           </a:p>
         </p:txBody>
       </p:sp>
@@ -7203,6 +7032,28 @@
           </a:p>
         </p:txBody>
       </p:sp>
+      <p:pic>
+        <p:nvPicPr>
+          <p:cNvPr id="6" name="object 6"/>
+          <p:cNvPicPr/>
+          <p:nvPr/>
+        </p:nvPicPr>
+        <p:blipFill>
+          <a:blip r:embed="rId2" cstate="print"/>
+          <a:stretch>
+            <a:fillRect/>
+          </a:stretch>
+        </p:blipFill>
+        <p:spPr>
+          <a:xfrm>
+            <a:off x="66675" y="3381373"/>
+            <a:ext cx="2466975" cy="3419475"/>
+          </a:xfrm>
+          <a:prstGeom prst="rect">
+            <a:avLst/>
+          </a:prstGeom>
+        </p:spPr>
+      </p:pic>
       <p:sp>
         <p:nvSpPr>
           <p:cNvPr id="7" name="object 7"/>
@@ -7214,10 +7065,6 @@
           </p:nvPr>
         </p:nvSpPr>
         <p:spPr>
-          <a:xfrm>
-            <a:off x="152400" y="-131762"/>
-            <a:ext cx="9764395" cy="1122362"/>
-          </a:xfrm>
           <a:prstGeom prst="rect">
             <a:avLst/>
           </a:prstGeom>
@@ -7261,6 +7108,117 @@
               <a:t>SOLUTION</a:t>
             </a:r>
             <a:endParaRPr sz="4250" dirty="0"/>
+          </a:p>
+        </p:txBody>
+      </p:sp>
+      <p:sp>
+        <p:nvSpPr>
+          <p:cNvPr id="9" name="Text Placeholder 8">
+            <a:extLst>
+              <a:ext uri="{FF2B5EF4-FFF2-40B4-BE49-F238E27FC236}">
+                <a16:creationId xmlns:a16="http://schemas.microsoft.com/office/drawing/2014/main" id="{E408D50B-2722-1899-D7C3-AAEDD69F3BBB}"/>
+              </a:ext>
+            </a:extLst>
+          </p:cNvPr>
+          <p:cNvSpPr>
+            <a:spLocks noGrp="1"/>
+          </p:cNvSpPr>
+          <p:nvPr>
+            <p:ph type="body" idx="1"/>
+          </p:nvPr>
+        </p:nvSpPr>
+        <p:spPr>
+          <a:xfrm>
+            <a:off x="609600" y="1577340"/>
+            <a:ext cx="10972800" cy="3607141"/>
+          </a:xfrm>
+        </p:spPr>
+        <p:txBody>
+          <a:bodyPr/>
+          <a:lstStyle/>
+          <a:p>
+            <a:pPr lvl="6">
+              <a:lnSpc>
+                <a:spcPct val="200000"/>
+              </a:lnSpc>
+            </a:pPr>
+            <a:r>
+              <a:rPr lang="en-US" sz="2000" dirty="0">
+                <a:latin typeface="Times New Roman" panose="02020603050405020304" pitchFamily="18" charset="0"/>
+                <a:cs typeface="Times New Roman" panose="02020603050405020304" pitchFamily="18" charset="0"/>
+              </a:rPr>
+              <a:t>1. Feature Extraction</a:t>
+            </a:r>
+          </a:p>
+          <a:p>
+            <a:pPr lvl="6">
+              <a:lnSpc>
+                <a:spcPct val="200000"/>
+              </a:lnSpc>
+            </a:pPr>
+            <a:r>
+              <a:rPr lang="en-US" sz="2000" dirty="0">
+                <a:latin typeface="Times New Roman" panose="02020603050405020304" pitchFamily="18" charset="0"/>
+                <a:cs typeface="Times New Roman" panose="02020603050405020304" pitchFamily="18" charset="0"/>
+              </a:rPr>
+              <a:t>2. Data Augmentation</a:t>
+            </a:r>
+          </a:p>
+          <a:p>
+            <a:pPr lvl="6">
+              <a:lnSpc>
+                <a:spcPct val="200000"/>
+              </a:lnSpc>
+            </a:pPr>
+            <a:r>
+              <a:rPr lang="en-US" sz="2000" dirty="0">
+                <a:latin typeface="Times New Roman" panose="02020603050405020304" pitchFamily="18" charset="0"/>
+                <a:cs typeface="Times New Roman" panose="02020603050405020304" pitchFamily="18" charset="0"/>
+              </a:rPr>
+              <a:t>3. Improved Performance</a:t>
+            </a:r>
+          </a:p>
+          <a:p>
+            <a:pPr lvl="6">
+              <a:lnSpc>
+                <a:spcPct val="200000"/>
+              </a:lnSpc>
+            </a:pPr>
+            <a:r>
+              <a:rPr lang="en-US" sz="2000" dirty="0">
+                <a:latin typeface="Times New Roman" panose="02020603050405020304" pitchFamily="18" charset="0"/>
+                <a:cs typeface="Times New Roman" panose="02020603050405020304" pitchFamily="18" charset="0"/>
+              </a:rPr>
+              <a:t>4. Enhanced Generalization</a:t>
+            </a:r>
+          </a:p>
+          <a:p>
+            <a:pPr lvl="6">
+              <a:lnSpc>
+                <a:spcPct val="200000"/>
+              </a:lnSpc>
+            </a:pPr>
+            <a:r>
+              <a:rPr lang="en-US" sz="2000" dirty="0">
+                <a:latin typeface="Times New Roman" panose="02020603050405020304" pitchFamily="18" charset="0"/>
+                <a:cs typeface="Times New Roman" panose="02020603050405020304" pitchFamily="18" charset="0"/>
+              </a:rPr>
+              <a:t>5. Reduced Overfitting</a:t>
+            </a:r>
+          </a:p>
+          <a:p>
+            <a:pPr lvl="6">
+              <a:lnSpc>
+                <a:spcPct val="200000"/>
+              </a:lnSpc>
+            </a:pPr>
+            <a:r>
+              <a:rPr lang="en-US" sz="2000" dirty="0">
+                <a:latin typeface="Times New Roman" panose="02020603050405020304" pitchFamily="18" charset="0"/>
+                <a:cs typeface="Times New Roman" panose="02020603050405020304" pitchFamily="18" charset="0"/>
+              </a:rPr>
+              <a:t>6. Adaptability</a:t>
+            </a:r>
           </a:p>
         </p:txBody>
       </p:sp>
@@ -7298,151 +7256,6 @@
               <a:t>8</a:t>
             </a:fld>
             <a:endParaRPr spc="-25" dirty="0"/>
-          </a:p>
-        </p:txBody>
-      </p:sp>
-      <p:sp>
-        <p:nvSpPr>
-          <p:cNvPr id="9" name="TextBox 8">
-            <a:extLst>
-              <a:ext uri="{FF2B5EF4-FFF2-40B4-BE49-F238E27FC236}">
-                <a16:creationId xmlns:a16="http://schemas.microsoft.com/office/drawing/2014/main" xmlns="" id="{9B95D969-92E4-48EF-6315-903B745D5154}"/>
-              </a:ext>
-            </a:extLst>
-          </p:cNvPr>
-          <p:cNvSpPr txBox="1"/>
-          <p:nvPr/>
-        </p:nvSpPr>
-        <p:spPr>
-          <a:xfrm>
-            <a:off x="1066800" y="1038225"/>
-            <a:ext cx="9282000" cy="3586366"/>
-          </a:xfrm>
-          <a:prstGeom prst="rect">
-            <a:avLst/>
-          </a:prstGeom>
-          <a:noFill/>
-        </p:spPr>
-        <p:txBody>
-          <a:bodyPr wrap="square" rtlCol="0">
-            <a:spAutoFit/>
-          </a:bodyPr>
-          <a:lstStyle/>
-          <a:p>
-            <a:pPr marL="342900" indent="-342900" algn="just">
-              <a:lnSpc>
-                <a:spcPct val="150000"/>
-              </a:lnSpc>
-              <a:buFont typeface="Wingdings" panose="05000000000000000000" pitchFamily="2" charset="2"/>
-              <a:buChar char="Ø"/>
-            </a:pPr>
-            <a:r>
-              <a:rPr lang="en-US" sz="2200" dirty="0">
-                <a:latin typeface="Times New Roman" panose="02020603050405020304" pitchFamily="18" charset="0"/>
-                <a:cs typeface="Times New Roman" panose="02020603050405020304" pitchFamily="18" charset="0"/>
-              </a:rPr>
-              <a:t>Enabling accurate forecasting of future values</a:t>
-            </a:r>
-          </a:p>
-          <a:p>
-            <a:pPr marL="342900" indent="-342900" algn="just">
-              <a:lnSpc>
-                <a:spcPct val="150000"/>
-              </a:lnSpc>
-              <a:buFont typeface="Wingdings" panose="05000000000000000000" pitchFamily="2" charset="2"/>
-              <a:buChar char="Ø"/>
-            </a:pPr>
-            <a:r>
-              <a:rPr lang="en-US" sz="2200" dirty="0">
-                <a:latin typeface="Times New Roman" panose="02020603050405020304" pitchFamily="18" charset="0"/>
-                <a:cs typeface="Times New Roman" panose="02020603050405020304" pitchFamily="18" charset="0"/>
-              </a:rPr>
-              <a:t>Learns meaningful representations from sequential data</a:t>
-            </a:r>
-          </a:p>
-          <a:p>
-            <a:pPr marL="342900" indent="-342900" algn="just">
-              <a:lnSpc>
-                <a:spcPct val="150000"/>
-              </a:lnSpc>
-              <a:buFont typeface="Wingdings" panose="05000000000000000000" pitchFamily="2" charset="2"/>
-              <a:buChar char="Ø"/>
-            </a:pPr>
-            <a:r>
-              <a:rPr lang="en-US" sz="2200" dirty="0">
-                <a:latin typeface="Times New Roman" panose="02020603050405020304" pitchFamily="18" charset="0"/>
-                <a:cs typeface="Times New Roman" panose="02020603050405020304" pitchFamily="18" charset="0"/>
-              </a:rPr>
-              <a:t>Better understanding </a:t>
-            </a:r>
-          </a:p>
-          <a:p>
-            <a:pPr marL="342900" indent="-342900" algn="just">
-              <a:lnSpc>
-                <a:spcPct val="150000"/>
-              </a:lnSpc>
-              <a:buFont typeface="Wingdings" panose="05000000000000000000" pitchFamily="2" charset="2"/>
-              <a:buChar char="Ø"/>
-            </a:pPr>
-            <a:r>
-              <a:rPr lang="en-US" sz="2200" dirty="0">
-                <a:latin typeface="Times New Roman" panose="02020603050405020304" pitchFamily="18" charset="0"/>
-                <a:cs typeface="Times New Roman" panose="02020603050405020304" pitchFamily="18" charset="0"/>
-              </a:rPr>
-              <a:t>Better prediction of complex temporal dynamics </a:t>
-            </a:r>
-          </a:p>
-          <a:p>
-            <a:pPr marL="342900" indent="-342900" algn="just">
-              <a:lnSpc>
-                <a:spcPct val="150000"/>
-              </a:lnSpc>
-              <a:buFont typeface="Wingdings" panose="05000000000000000000" pitchFamily="2" charset="2"/>
-              <a:buChar char="Ø"/>
-            </a:pPr>
-            <a:r>
-              <a:rPr lang="en-US" sz="2200" dirty="0">
-                <a:latin typeface="Times New Roman" panose="02020603050405020304" pitchFamily="18" charset="0"/>
-                <a:cs typeface="Times New Roman" panose="02020603050405020304" pitchFamily="18" charset="0"/>
-              </a:rPr>
-              <a:t>Decision making across various domains</a:t>
-            </a:r>
-          </a:p>
-          <a:p>
-            <a:pPr marL="342900" indent="-342900" algn="just">
-              <a:lnSpc>
-                <a:spcPct val="150000"/>
-              </a:lnSpc>
-              <a:buFont typeface="Wingdings" panose="05000000000000000000" pitchFamily="2" charset="2"/>
-              <a:buChar char="Ø"/>
-            </a:pPr>
-            <a:r>
-              <a:rPr lang="en-US" sz="2200" dirty="0">
-                <a:latin typeface="Times New Roman" panose="02020603050405020304" pitchFamily="18" charset="0"/>
-                <a:cs typeface="Times New Roman" panose="02020603050405020304" pitchFamily="18" charset="0"/>
-              </a:rPr>
-              <a:t>Offers insights into future trends</a:t>
-            </a:r>
-          </a:p>
-          <a:p>
-            <a:pPr marL="342900" indent="-342900" algn="just">
-              <a:lnSpc>
-                <a:spcPct val="150000"/>
-              </a:lnSpc>
-              <a:buFont typeface="Wingdings" panose="05000000000000000000" pitchFamily="2" charset="2"/>
-              <a:buChar char="Ø"/>
-            </a:pPr>
-            <a:r>
-              <a:rPr lang="en-US" sz="2200" dirty="0">
-                <a:latin typeface="Times New Roman" panose="02020603050405020304" pitchFamily="18" charset="0"/>
-                <a:cs typeface="Times New Roman" panose="02020603050405020304" pitchFamily="18" charset="0"/>
-              </a:rPr>
-              <a:t>Improved Accuracy, Scalability and interpretability of forecasts</a:t>
-            </a:r>
-            <a:endParaRPr lang="en-IN" sz="2200" dirty="0">
-              <a:latin typeface="Times New Roman" panose="02020603050405020304" pitchFamily="18" charset="0"/>
-              <a:cs typeface="Times New Roman" panose="02020603050405020304" pitchFamily="18" charset="0"/>
-            </a:endParaRPr>
           </a:p>
         </p:txBody>
       </p:sp>
@@ -7471,189 +7284,6 @@
           <a:chExt cx="0" cy="0"/>
         </a:xfrm>
       </p:grpSpPr>
-      <p:sp>
-        <p:nvSpPr>
-          <p:cNvPr id="2" name="object 2"/>
-          <p:cNvSpPr txBox="1"/>
-          <p:nvPr/>
-        </p:nvSpPr>
-        <p:spPr>
-          <a:xfrm>
-            <a:off x="752475" y="6486037"/>
-            <a:ext cx="1773555" cy="166370"/>
-          </a:xfrm>
-          <a:prstGeom prst="rect">
-            <a:avLst/>
-          </a:prstGeom>
-        </p:spPr>
-        <p:txBody>
-          <a:bodyPr vert="horz" wrap="square" lIns="0" tIns="0" rIns="0" bIns="0" rtlCol="0">
-            <a:spAutoFit/>
-          </a:bodyPr>
-          <a:lstStyle/>
-          <a:p>
-            <a:pPr>
-              <a:lnSpc>
-                <a:spcPts val="1275"/>
-              </a:lnSpc>
-            </a:pPr>
-            <a:r>
-              <a:rPr sz="1100" dirty="0">
-                <a:solidFill>
-                  <a:srgbClr val="2D83C3"/>
-                </a:solidFill>
-                <a:latin typeface="Trebuchet MS"/>
-                <a:cs typeface="Trebuchet MS"/>
-              </a:rPr>
-              <a:t>3/21/2024</a:t>
-            </a:r>
-            <a:r>
-              <a:rPr sz="1100" spc="180" dirty="0">
-                <a:solidFill>
-                  <a:srgbClr val="2D83C3"/>
-                </a:solidFill>
-                <a:latin typeface="Trebuchet MS"/>
-                <a:cs typeface="Trebuchet MS"/>
-              </a:rPr>
-              <a:t>  </a:t>
-            </a:r>
-            <a:r>
-              <a:rPr sz="1100" b="1" dirty="0">
-                <a:solidFill>
-                  <a:srgbClr val="2D83C3"/>
-                </a:solidFill>
-                <a:latin typeface="Trebuchet MS"/>
-                <a:cs typeface="Trebuchet MS"/>
-              </a:rPr>
-              <a:t>Annual</a:t>
-            </a:r>
-            <a:r>
-              <a:rPr sz="1100" b="1" spc="-75" dirty="0">
-                <a:solidFill>
-                  <a:srgbClr val="2D83C3"/>
-                </a:solidFill>
-                <a:latin typeface="Trebuchet MS"/>
-                <a:cs typeface="Trebuchet MS"/>
-              </a:rPr>
-              <a:t> </a:t>
-            </a:r>
-            <a:r>
-              <a:rPr sz="1100" b="1" spc="-10" dirty="0">
-                <a:solidFill>
-                  <a:srgbClr val="2D83C3"/>
-                </a:solidFill>
-                <a:latin typeface="Trebuchet MS"/>
-                <a:cs typeface="Trebuchet MS"/>
-              </a:rPr>
-              <a:t>Review</a:t>
-            </a:r>
-            <a:endParaRPr sz="1100">
-              <a:latin typeface="Trebuchet MS"/>
-              <a:cs typeface="Trebuchet MS"/>
-            </a:endParaRPr>
-          </a:p>
-        </p:txBody>
-      </p:sp>
-      <p:sp>
-        <p:nvSpPr>
-          <p:cNvPr id="3" name="object 3"/>
-          <p:cNvSpPr/>
-          <p:nvPr/>
-        </p:nvSpPr>
-        <p:spPr>
-          <a:xfrm>
-            <a:off x="9771000" y="5498675"/>
-            <a:ext cx="457200" cy="457200"/>
-          </a:xfrm>
-          <a:custGeom>
-            <a:avLst/>
-            <a:gdLst/>
-            <a:ahLst/>
-            <a:cxnLst/>
-            <a:rect l="l" t="t" r="r" b="b"/>
-            <a:pathLst>
-              <a:path w="457200" h="457200">
-                <a:moveTo>
-                  <a:pt x="457200" y="0"/>
-                </a:moveTo>
-                <a:lnTo>
-                  <a:pt x="0" y="0"/>
-                </a:lnTo>
-                <a:lnTo>
-                  <a:pt x="0" y="457200"/>
-                </a:lnTo>
-                <a:lnTo>
-                  <a:pt x="457200" y="457200"/>
-                </a:lnTo>
-                <a:lnTo>
-                  <a:pt x="457200" y="0"/>
-                </a:lnTo>
-                <a:close/>
-              </a:path>
-            </a:pathLst>
-          </a:custGeom>
-          <a:solidFill>
-            <a:srgbClr val="42AF51"/>
-          </a:solidFill>
-        </p:spPr>
-        <p:txBody>
-          <a:bodyPr wrap="square" lIns="0" tIns="0" rIns="0" bIns="0" rtlCol="0"/>
-          <a:lstStyle/>
-          <a:p>
-            <a:endParaRPr/>
-          </a:p>
-        </p:txBody>
-      </p:sp>
-      <p:sp>
-        <p:nvSpPr>
-          <p:cNvPr id="5" name="object 5"/>
-          <p:cNvSpPr/>
-          <p:nvPr/>
-        </p:nvSpPr>
-        <p:spPr>
-          <a:xfrm>
-            <a:off x="9595094" y="6096000"/>
-            <a:ext cx="180975" cy="180975"/>
-          </a:xfrm>
-          <a:custGeom>
-            <a:avLst/>
-            <a:gdLst/>
-            <a:ahLst/>
-            <a:cxnLst/>
-            <a:rect l="l" t="t" r="r" b="b"/>
-            <a:pathLst>
-              <a:path w="180975" h="180975">
-                <a:moveTo>
-                  <a:pt x="180975" y="0"/>
-                </a:moveTo>
-                <a:lnTo>
-                  <a:pt x="0" y="0"/>
-                </a:lnTo>
-                <a:lnTo>
-                  <a:pt x="0" y="180975"/>
-                </a:lnTo>
-                <a:lnTo>
-                  <a:pt x="180975" y="180975"/>
-                </a:lnTo>
-                <a:lnTo>
-                  <a:pt x="180975" y="0"/>
-                </a:lnTo>
-                <a:close/>
-              </a:path>
-            </a:pathLst>
-          </a:custGeom>
-          <a:solidFill>
-            <a:srgbClr val="2D936B"/>
-          </a:solidFill>
-        </p:spPr>
-        <p:txBody>
-          <a:bodyPr wrap="square" lIns="0" tIns="0" rIns="0" bIns="0" rtlCol="0"/>
-          <a:lstStyle/>
-          <a:p>
-            <a:endParaRPr dirty="0"/>
-          </a:p>
-        </p:txBody>
-      </p:sp>
       <p:pic>
         <p:nvPicPr>
           <p:cNvPr id="6" name="object 6"/>
@@ -7676,6 +7306,258 @@
           </a:prstGeom>
         </p:spPr>
       </p:pic>
+      <p:sp>
+        <p:nvSpPr>
+          <p:cNvPr id="8" name="object 8"/>
+          <p:cNvSpPr txBox="1">
+            <a:spLocks noGrp="1"/>
+          </p:cNvSpPr>
+          <p:nvPr>
+            <p:ph type="title"/>
+          </p:nvPr>
+        </p:nvSpPr>
+        <p:spPr>
+          <a:prstGeom prst="rect">
+            <a:avLst/>
+          </a:prstGeom>
+        </p:spPr>
+        <p:txBody>
+          <a:bodyPr vert="horz" wrap="square" lIns="0" tIns="13335" rIns="0" bIns="0" rtlCol="0">
+            <a:spAutoFit/>
+          </a:bodyPr>
+          <a:lstStyle/>
+          <a:p>
+            <a:pPr marL="12700">
+              <a:lnSpc>
+                <a:spcPct val="100000"/>
+              </a:lnSpc>
+              <a:spcBef>
+                <a:spcPts val="105"/>
+              </a:spcBef>
+            </a:pPr>
+            <a:r>
+              <a:rPr spc="-10" dirty="0"/>
+              <a:t>MODELLING</a:t>
+            </a:r>
+          </a:p>
+        </p:txBody>
+      </p:sp>
+      <p:sp>
+        <p:nvSpPr>
+          <p:cNvPr id="7" name="Text Placeholder 6">
+            <a:extLst>
+              <a:ext uri="{FF2B5EF4-FFF2-40B4-BE49-F238E27FC236}">
+                <a16:creationId xmlns:a16="http://schemas.microsoft.com/office/drawing/2014/main" id="{C34B6E9A-A50B-7FF7-5846-2FE11AB154B5}"/>
+              </a:ext>
+            </a:extLst>
+          </p:cNvPr>
+          <p:cNvSpPr>
+            <a:spLocks noGrp="1"/>
+          </p:cNvSpPr>
+          <p:nvPr>
+            <p:ph type="body" idx="1"/>
+          </p:nvPr>
+        </p:nvSpPr>
+        <p:spPr>
+          <a:xfrm>
+            <a:off x="673482" y="1295400"/>
+            <a:ext cx="11144680" cy="5970865"/>
+          </a:xfrm>
+        </p:spPr>
+        <p:txBody>
+          <a:bodyPr/>
+          <a:lstStyle/>
+          <a:p>
+            <a:r>
+              <a:rPr lang="en-US" sz="1600" dirty="0">
+                <a:latin typeface="Times New Roman" panose="02020603050405020304" pitchFamily="18" charset="0"/>
+                <a:cs typeface="Times New Roman" panose="02020603050405020304" pitchFamily="18" charset="0"/>
+              </a:rPr>
+              <a:t>   </a:t>
+            </a:r>
+            <a:r>
+              <a:rPr lang="en-US" dirty="0">
+                <a:latin typeface="Times New Roman" panose="02020603050405020304" pitchFamily="18" charset="0"/>
+                <a:cs typeface="Times New Roman" panose="02020603050405020304" pitchFamily="18" charset="0"/>
+              </a:rPr>
+              <a:t>In fake news detection, various models and techniques can be employed depending on the nature of the data and the specific requirements of the task. Here are some common models used in fake news detection:</a:t>
+            </a:r>
+          </a:p>
+          <a:p>
+            <a:endParaRPr lang="en-US" dirty="0">
+              <a:latin typeface="Times New Roman" panose="02020603050405020304" pitchFamily="18" charset="0"/>
+              <a:cs typeface="Times New Roman" panose="02020603050405020304" pitchFamily="18" charset="0"/>
+            </a:endParaRPr>
+          </a:p>
+          <a:p>
+            <a:r>
+              <a:rPr lang="en-US" dirty="0">
+                <a:latin typeface="Times New Roman" panose="02020603050405020304" pitchFamily="18" charset="0"/>
+                <a:cs typeface="Times New Roman" panose="02020603050405020304" pitchFamily="18" charset="0"/>
+              </a:rPr>
+              <a:t>1. Traditional Machine Learning Models:</a:t>
+            </a:r>
+          </a:p>
+          <a:p>
+            <a:r>
+              <a:rPr lang="en-US" dirty="0">
+                <a:latin typeface="Times New Roman" panose="02020603050405020304" pitchFamily="18" charset="0"/>
+                <a:cs typeface="Times New Roman" panose="02020603050405020304" pitchFamily="18" charset="0"/>
+              </a:rPr>
+              <a:t>   - Logistic Regression</a:t>
+            </a:r>
+          </a:p>
+          <a:p>
+            <a:r>
+              <a:rPr lang="en-US" dirty="0">
+                <a:latin typeface="Times New Roman" panose="02020603050405020304" pitchFamily="18" charset="0"/>
+                <a:cs typeface="Times New Roman" panose="02020603050405020304" pitchFamily="18" charset="0"/>
+              </a:rPr>
+              <a:t>   - Support Vector Machines (SVM)</a:t>
+            </a:r>
+          </a:p>
+          <a:p>
+            <a:r>
+              <a:rPr lang="en-US" dirty="0">
+                <a:latin typeface="Times New Roman" panose="02020603050405020304" pitchFamily="18" charset="0"/>
+                <a:cs typeface="Times New Roman" panose="02020603050405020304" pitchFamily="18" charset="0"/>
+              </a:rPr>
+              <a:t>   - Random Forest</a:t>
+            </a:r>
+          </a:p>
+          <a:p>
+            <a:r>
+              <a:rPr lang="en-US" dirty="0">
+                <a:latin typeface="Times New Roman" panose="02020603050405020304" pitchFamily="18" charset="0"/>
+                <a:cs typeface="Times New Roman" panose="02020603050405020304" pitchFamily="18" charset="0"/>
+              </a:rPr>
+              <a:t>   - Naive Bayes</a:t>
+            </a:r>
+          </a:p>
+          <a:p>
+            <a:endParaRPr lang="en-US" dirty="0">
+              <a:latin typeface="Times New Roman" panose="02020603050405020304" pitchFamily="18" charset="0"/>
+              <a:cs typeface="Times New Roman" panose="02020603050405020304" pitchFamily="18" charset="0"/>
+            </a:endParaRPr>
+          </a:p>
+          <a:p>
+            <a:r>
+              <a:rPr lang="en-US" dirty="0">
+                <a:latin typeface="Times New Roman" panose="02020603050405020304" pitchFamily="18" charset="0"/>
+                <a:cs typeface="Times New Roman" panose="02020603050405020304" pitchFamily="18" charset="0"/>
+              </a:rPr>
+              <a:t>2. Deep Learning Models:</a:t>
+            </a:r>
+          </a:p>
+          <a:p>
+            <a:r>
+              <a:rPr lang="en-US" dirty="0">
+                <a:latin typeface="Times New Roman" panose="02020603050405020304" pitchFamily="18" charset="0"/>
+                <a:cs typeface="Times New Roman" panose="02020603050405020304" pitchFamily="18" charset="0"/>
+              </a:rPr>
+              <a:t>   - Recurrent Neural Networks (RNNs)</a:t>
+            </a:r>
+          </a:p>
+          <a:p>
+            <a:r>
+              <a:rPr lang="en-US" dirty="0">
+                <a:latin typeface="Times New Roman" panose="02020603050405020304" pitchFamily="18" charset="0"/>
+                <a:cs typeface="Times New Roman" panose="02020603050405020304" pitchFamily="18" charset="0"/>
+              </a:rPr>
+              <a:t>   - Convolutional Neural Networks (CNNs)</a:t>
+            </a:r>
+          </a:p>
+          <a:p>
+            <a:r>
+              <a:rPr lang="en-US" dirty="0">
+                <a:latin typeface="Times New Roman" panose="02020603050405020304" pitchFamily="18" charset="0"/>
+                <a:cs typeface="Times New Roman" panose="02020603050405020304" pitchFamily="18" charset="0"/>
+              </a:rPr>
+              <a:t>   - Long Short-Term Memory (LSTM) Networks</a:t>
+            </a:r>
+          </a:p>
+          <a:p>
+            <a:r>
+              <a:rPr lang="en-US" dirty="0">
+                <a:latin typeface="Times New Roman" panose="02020603050405020304" pitchFamily="18" charset="0"/>
+                <a:cs typeface="Times New Roman" panose="02020603050405020304" pitchFamily="18" charset="0"/>
+              </a:rPr>
+              <a:t>   - Gated Recurrent Units (GRUs)</a:t>
+            </a:r>
+          </a:p>
+          <a:p>
+            <a:endParaRPr lang="en-US" dirty="0">
+              <a:latin typeface="Times New Roman" panose="02020603050405020304" pitchFamily="18" charset="0"/>
+              <a:cs typeface="Times New Roman" panose="02020603050405020304" pitchFamily="18" charset="0"/>
+            </a:endParaRPr>
+          </a:p>
+          <a:p>
+            <a:r>
+              <a:rPr lang="en-US" dirty="0">
+                <a:latin typeface="Times New Roman" panose="02020603050405020304" pitchFamily="18" charset="0"/>
+                <a:cs typeface="Times New Roman" panose="02020603050405020304" pitchFamily="18" charset="0"/>
+              </a:rPr>
+              <a:t>3. Ensemble Models:</a:t>
+            </a:r>
+          </a:p>
+          <a:p>
+            <a:r>
+              <a:rPr lang="en-US" dirty="0">
+                <a:latin typeface="Times New Roman" panose="02020603050405020304" pitchFamily="18" charset="0"/>
+                <a:cs typeface="Times New Roman" panose="02020603050405020304" pitchFamily="18" charset="0"/>
+              </a:rPr>
+              <a:t>   - Voting Classifier</a:t>
+            </a:r>
+          </a:p>
+          <a:p>
+            <a:r>
+              <a:rPr lang="en-US" dirty="0">
+                <a:latin typeface="Times New Roman" panose="02020603050405020304" pitchFamily="18" charset="0"/>
+                <a:cs typeface="Times New Roman" panose="02020603050405020304" pitchFamily="18" charset="0"/>
+              </a:rPr>
+              <a:t>   - Bagging and Boosting Techniques (e.g., AdaBoost, </a:t>
+            </a:r>
+            <a:r>
+              <a:rPr lang="en-US" dirty="0" err="1">
+                <a:latin typeface="Times New Roman" panose="02020603050405020304" pitchFamily="18" charset="0"/>
+                <a:cs typeface="Times New Roman" panose="02020603050405020304" pitchFamily="18" charset="0"/>
+              </a:rPr>
+              <a:t>XGBoost</a:t>
+            </a:r>
+            <a:r>
+              <a:rPr lang="en-US" dirty="0">
+                <a:latin typeface="Times New Roman" panose="02020603050405020304" pitchFamily="18" charset="0"/>
+                <a:cs typeface="Times New Roman" panose="02020603050405020304" pitchFamily="18" charset="0"/>
+              </a:rPr>
+              <a:t>)</a:t>
+            </a:r>
+          </a:p>
+          <a:p>
+            <a:endParaRPr lang="en-US" sz="1600" dirty="0">
+              <a:latin typeface="Times New Roman" panose="02020603050405020304" pitchFamily="18" charset="0"/>
+              <a:cs typeface="Times New Roman" panose="02020603050405020304" pitchFamily="18" charset="0"/>
+            </a:endParaRPr>
+          </a:p>
+          <a:p>
+            <a:endParaRPr lang="en-US" sz="1600" dirty="0">
+              <a:latin typeface="Times New Roman" panose="02020603050405020304" pitchFamily="18" charset="0"/>
+              <a:cs typeface="Times New Roman" panose="02020603050405020304" pitchFamily="18" charset="0"/>
+            </a:endParaRPr>
+          </a:p>
+          <a:p>
+            <a:endParaRPr lang="en-US" sz="1600" dirty="0">
+              <a:latin typeface="Times New Roman" panose="02020603050405020304" pitchFamily="18" charset="0"/>
+              <a:cs typeface="Times New Roman" panose="02020603050405020304" pitchFamily="18" charset="0"/>
+            </a:endParaRPr>
+          </a:p>
+          <a:p>
+            <a:endParaRPr lang="en-IN" sz="1600" dirty="0">
+              <a:latin typeface="Times New Roman" panose="02020603050405020304" pitchFamily="18" charset="0"/>
+              <a:cs typeface="Times New Roman" panose="02020603050405020304" pitchFamily="18" charset="0"/>
+            </a:endParaRPr>
+          </a:p>
+        </p:txBody>
+      </p:sp>
       <p:sp>
         <p:nvSpPr>
           <p:cNvPr id="9" name="object 9"/>
@@ -7710,169 +7592,6 @@
               <a:t>9</a:t>
             </a:fld>
             <a:endParaRPr spc="-25" dirty="0"/>
-          </a:p>
-        </p:txBody>
-      </p:sp>
-      <p:sp>
-        <p:nvSpPr>
-          <p:cNvPr id="8" name="object 8"/>
-          <p:cNvSpPr txBox="1">
-            <a:spLocks noGrp="1"/>
-          </p:cNvSpPr>
-          <p:nvPr>
-            <p:ph type="ctrTitle"/>
-          </p:nvPr>
-        </p:nvSpPr>
-        <p:spPr>
-          <a:xfrm>
-            <a:off x="304800" y="138218"/>
-            <a:ext cx="3304540" cy="758190"/>
-          </a:xfrm>
-          <a:prstGeom prst="rect">
-            <a:avLst/>
-          </a:prstGeom>
-        </p:spPr>
-        <p:txBody>
-          <a:bodyPr vert="horz" wrap="square" lIns="0" tIns="13335" rIns="0" bIns="0" rtlCol="0">
-            <a:spAutoFit/>
-          </a:bodyPr>
-          <a:lstStyle/>
-          <a:p>
-            <a:pPr marL="12700">
-              <a:lnSpc>
-                <a:spcPct val="100000"/>
-              </a:lnSpc>
-              <a:spcBef>
-                <a:spcPts val="105"/>
-              </a:spcBef>
-            </a:pPr>
-            <a:r>
-              <a:rPr spc="-10" dirty="0"/>
-              <a:t>MODELLING</a:t>
-            </a:r>
-          </a:p>
-        </p:txBody>
-      </p:sp>
-      <p:sp>
-        <p:nvSpPr>
-          <p:cNvPr id="7" name="TextBox 6">
-            <a:extLst>
-              <a:ext uri="{FF2B5EF4-FFF2-40B4-BE49-F238E27FC236}">
-                <a16:creationId xmlns:a16="http://schemas.microsoft.com/office/drawing/2014/main" xmlns="" id="{4C69541B-699F-4D48-6BD7-B7884F747F38}"/>
-              </a:ext>
-            </a:extLst>
-          </p:cNvPr>
-          <p:cNvSpPr txBox="1"/>
-          <p:nvPr/>
-        </p:nvSpPr>
-        <p:spPr>
-          <a:xfrm>
-            <a:off x="1029353" y="1034589"/>
-            <a:ext cx="8970247" cy="5355312"/>
-          </a:xfrm>
-          <a:prstGeom prst="rect">
-            <a:avLst/>
-          </a:prstGeom>
-          <a:noFill/>
-        </p:spPr>
-        <p:txBody>
-          <a:bodyPr wrap="square" rtlCol="0">
-            <a:spAutoFit/>
-          </a:bodyPr>
-          <a:lstStyle/>
-          <a:p>
-            <a:r>
-              <a:rPr lang="en-US" b="1" dirty="0"/>
-              <a:t>AUTOENCODER MODEL:</a:t>
-            </a:r>
-          </a:p>
-          <a:p>
-            <a:endParaRPr lang="en-US" dirty="0"/>
-          </a:p>
-          <a:p>
-            <a:pPr marL="285750" indent="-285750">
-              <a:buFont typeface="Arial" panose="020B0604020202020204" pitchFamily="34" charset="0"/>
-              <a:buChar char="•"/>
-            </a:pPr>
-            <a:r>
-              <a:rPr lang="en-US" dirty="0"/>
-              <a:t>The autoencoder model consists of LSTM (Long Short-Term Memory) layers.</a:t>
-            </a:r>
-          </a:p>
-          <a:p>
-            <a:pPr marL="285750" indent="-285750">
-              <a:buFont typeface="Arial" panose="020B0604020202020204" pitchFamily="34" charset="0"/>
-              <a:buChar char="•"/>
-            </a:pPr>
-            <a:r>
-              <a:rPr lang="en-US" dirty="0"/>
-              <a:t>It takes a sequence of input data points and learns to encode them into a lower-dimensional representation.</a:t>
-            </a:r>
-          </a:p>
-          <a:p>
-            <a:pPr marL="285750" indent="-285750">
-              <a:buFont typeface="Arial" panose="020B0604020202020204" pitchFamily="34" charset="0"/>
-              <a:buChar char="•"/>
-            </a:pPr>
-            <a:r>
-              <a:rPr lang="en-US" dirty="0"/>
-              <a:t>The encoded representation is then decoded back to the original sequence using another set of LSTM layers.</a:t>
-            </a:r>
-          </a:p>
-          <a:p>
-            <a:pPr marL="285750" indent="-285750">
-              <a:buFont typeface="Arial" panose="020B0604020202020204" pitchFamily="34" charset="0"/>
-              <a:buChar char="•"/>
-            </a:pPr>
-            <a:r>
-              <a:rPr lang="en-US" dirty="0"/>
-              <a:t>The autoencoder is trained to minimize the mean squared error loss between the input and output sequences, effectively learning to reconstruct the input sequence.</a:t>
-            </a:r>
-          </a:p>
-          <a:p>
-            <a:endParaRPr lang="en-US" dirty="0"/>
-          </a:p>
-          <a:p>
-            <a:r>
-              <a:rPr lang="en-US" b="1" dirty="0"/>
-              <a:t>SEQUENCE GENERATION MODEL:</a:t>
-            </a:r>
-          </a:p>
-          <a:p>
-            <a:endParaRPr lang="en-US" dirty="0"/>
-          </a:p>
-          <a:p>
-            <a:pPr marL="285750" indent="-285750">
-              <a:buFont typeface="Arial" panose="020B0604020202020204" pitchFamily="34" charset="0"/>
-              <a:buChar char="•"/>
-            </a:pPr>
-            <a:r>
-              <a:rPr lang="en-US" dirty="0"/>
-              <a:t>After training the autoencoder, a separate function is used to generate new sequences of future data points.</a:t>
-            </a:r>
-          </a:p>
-          <a:p>
-            <a:pPr marL="285750" indent="-285750">
-              <a:buFont typeface="Arial" panose="020B0604020202020204" pitchFamily="34" charset="0"/>
-              <a:buChar char="•"/>
-            </a:pPr>
-            <a:r>
-              <a:rPr lang="en-US" dirty="0"/>
-              <a:t>This function takes a seed sequence as input and iteratively generates new data points by feeding the previous data point into the autoencoder.</a:t>
-            </a:r>
-          </a:p>
-          <a:p>
-            <a:pPr marL="285750" indent="-285750">
-              <a:buFont typeface="Arial" panose="020B0604020202020204" pitchFamily="34" charset="0"/>
-              <a:buChar char="•"/>
-            </a:pPr>
-            <a:r>
-              <a:rPr lang="en-US" dirty="0"/>
-              <a:t>The autoencoder learns to predict the next data point based on the previous ones, capturing temporal dependencies in the data.</a:t>
-            </a:r>
-          </a:p>
-          <a:p>
-            <a:endParaRPr lang="en-US" dirty="0"/>
           </a:p>
         </p:txBody>
       </p:sp>
